--- a/Figure_S2.8/Figure_S2.8.pptx
+++ b/Figure_S2.8/Figure_S2.8.pptx
@@ -254,7 +254,7 @@
           <a:p>
             <a:fld id="{4D19A215-3702-439B-A347-C50BC6FFD8CF}" type="datetimeFigureOut">
               <a:rPr lang="de-CH" smtClean="0"/>
-              <a:t>24.06.2022</a:t>
+              <a:t>14.06.2023</a:t>
             </a:fld>
             <a:endParaRPr lang="de-CH"/>
           </a:p>
@@ -296,7 +296,7 @@
           <a:p>
             <a:fld id="{4321F47F-9AF6-4794-98A5-BA40A1091137}" type="slidenum">
               <a:rPr lang="de-CH" smtClean="0"/>
-              <a:t>‹#›</a:t>
+              <a:t>‹N°›</a:t>
             </a:fld>
             <a:endParaRPr lang="de-CH"/>
           </a:p>
@@ -424,7 +424,7 @@
           <a:p>
             <a:fld id="{4D19A215-3702-439B-A347-C50BC6FFD8CF}" type="datetimeFigureOut">
               <a:rPr lang="de-CH" smtClean="0"/>
-              <a:t>24.06.2022</a:t>
+              <a:t>14.06.2023</a:t>
             </a:fld>
             <a:endParaRPr lang="de-CH"/>
           </a:p>
@@ -466,7 +466,7 @@
           <a:p>
             <a:fld id="{4321F47F-9AF6-4794-98A5-BA40A1091137}" type="slidenum">
               <a:rPr lang="de-CH" smtClean="0"/>
-              <a:t>‹#›</a:t>
+              <a:t>‹N°›</a:t>
             </a:fld>
             <a:endParaRPr lang="de-CH"/>
           </a:p>
@@ -604,7 +604,7 @@
           <a:p>
             <a:fld id="{4D19A215-3702-439B-A347-C50BC6FFD8CF}" type="datetimeFigureOut">
               <a:rPr lang="de-CH" smtClean="0"/>
-              <a:t>24.06.2022</a:t>
+              <a:t>14.06.2023</a:t>
             </a:fld>
             <a:endParaRPr lang="de-CH"/>
           </a:p>
@@ -646,7 +646,7 @@
           <a:p>
             <a:fld id="{4321F47F-9AF6-4794-98A5-BA40A1091137}" type="slidenum">
               <a:rPr lang="de-CH" smtClean="0"/>
-              <a:t>‹#›</a:t>
+              <a:t>‹N°›</a:t>
             </a:fld>
             <a:endParaRPr lang="de-CH"/>
           </a:p>
@@ -774,7 +774,7 @@
           <a:p>
             <a:fld id="{4D19A215-3702-439B-A347-C50BC6FFD8CF}" type="datetimeFigureOut">
               <a:rPr lang="de-CH" smtClean="0"/>
-              <a:t>24.06.2022</a:t>
+              <a:t>14.06.2023</a:t>
             </a:fld>
             <a:endParaRPr lang="de-CH"/>
           </a:p>
@@ -816,7 +816,7 @@
           <a:p>
             <a:fld id="{4321F47F-9AF6-4794-98A5-BA40A1091137}" type="slidenum">
               <a:rPr lang="de-CH" smtClean="0"/>
-              <a:t>‹#›</a:t>
+              <a:t>‹N°›</a:t>
             </a:fld>
             <a:endParaRPr lang="de-CH"/>
           </a:p>
@@ -1020,7 +1020,7 @@
           <a:p>
             <a:fld id="{4D19A215-3702-439B-A347-C50BC6FFD8CF}" type="datetimeFigureOut">
               <a:rPr lang="de-CH" smtClean="0"/>
-              <a:t>24.06.2022</a:t>
+              <a:t>14.06.2023</a:t>
             </a:fld>
             <a:endParaRPr lang="de-CH"/>
           </a:p>
@@ -1062,7 +1062,7 @@
           <a:p>
             <a:fld id="{4321F47F-9AF6-4794-98A5-BA40A1091137}" type="slidenum">
               <a:rPr lang="de-CH" smtClean="0"/>
-              <a:t>‹#›</a:t>
+              <a:t>‹N°›</a:t>
             </a:fld>
             <a:endParaRPr lang="de-CH"/>
           </a:p>
@@ -1252,7 +1252,7 @@
           <a:p>
             <a:fld id="{4D19A215-3702-439B-A347-C50BC6FFD8CF}" type="datetimeFigureOut">
               <a:rPr lang="de-CH" smtClean="0"/>
-              <a:t>24.06.2022</a:t>
+              <a:t>14.06.2023</a:t>
             </a:fld>
             <a:endParaRPr lang="de-CH"/>
           </a:p>
@@ -1294,7 +1294,7 @@
           <a:p>
             <a:fld id="{4321F47F-9AF6-4794-98A5-BA40A1091137}" type="slidenum">
               <a:rPr lang="de-CH" smtClean="0"/>
-              <a:t>‹#›</a:t>
+              <a:t>‹N°›</a:t>
             </a:fld>
             <a:endParaRPr lang="de-CH"/>
           </a:p>
@@ -1619,7 +1619,7 @@
           <a:p>
             <a:fld id="{4D19A215-3702-439B-A347-C50BC6FFD8CF}" type="datetimeFigureOut">
               <a:rPr lang="de-CH" smtClean="0"/>
-              <a:t>24.06.2022</a:t>
+              <a:t>14.06.2023</a:t>
             </a:fld>
             <a:endParaRPr lang="de-CH"/>
           </a:p>
@@ -1661,7 +1661,7 @@
           <a:p>
             <a:fld id="{4321F47F-9AF6-4794-98A5-BA40A1091137}" type="slidenum">
               <a:rPr lang="de-CH" smtClean="0"/>
-              <a:t>‹#›</a:t>
+              <a:t>‹N°›</a:t>
             </a:fld>
             <a:endParaRPr lang="de-CH"/>
           </a:p>
@@ -1737,7 +1737,7 @@
           <a:p>
             <a:fld id="{4D19A215-3702-439B-A347-C50BC6FFD8CF}" type="datetimeFigureOut">
               <a:rPr lang="de-CH" smtClean="0"/>
-              <a:t>24.06.2022</a:t>
+              <a:t>14.06.2023</a:t>
             </a:fld>
             <a:endParaRPr lang="de-CH"/>
           </a:p>
@@ -1779,7 +1779,7 @@
           <a:p>
             <a:fld id="{4321F47F-9AF6-4794-98A5-BA40A1091137}" type="slidenum">
               <a:rPr lang="de-CH" smtClean="0"/>
-              <a:t>‹#›</a:t>
+              <a:t>‹N°›</a:t>
             </a:fld>
             <a:endParaRPr lang="de-CH"/>
           </a:p>
@@ -1832,7 +1832,7 @@
           <a:p>
             <a:fld id="{4D19A215-3702-439B-A347-C50BC6FFD8CF}" type="datetimeFigureOut">
               <a:rPr lang="de-CH" smtClean="0"/>
-              <a:t>24.06.2022</a:t>
+              <a:t>14.06.2023</a:t>
             </a:fld>
             <a:endParaRPr lang="de-CH"/>
           </a:p>
@@ -1874,7 +1874,7 @@
           <a:p>
             <a:fld id="{4321F47F-9AF6-4794-98A5-BA40A1091137}" type="slidenum">
               <a:rPr lang="de-CH" smtClean="0"/>
-              <a:t>‹#›</a:t>
+              <a:t>‹N°›</a:t>
             </a:fld>
             <a:endParaRPr lang="de-CH"/>
           </a:p>
@@ -2109,7 +2109,7 @@
           <a:p>
             <a:fld id="{4D19A215-3702-439B-A347-C50BC6FFD8CF}" type="datetimeFigureOut">
               <a:rPr lang="de-CH" smtClean="0"/>
-              <a:t>24.06.2022</a:t>
+              <a:t>14.06.2023</a:t>
             </a:fld>
             <a:endParaRPr lang="de-CH"/>
           </a:p>
@@ -2151,7 +2151,7 @@
           <a:p>
             <a:fld id="{4321F47F-9AF6-4794-98A5-BA40A1091137}" type="slidenum">
               <a:rPr lang="de-CH" smtClean="0"/>
-              <a:t>‹#›</a:t>
+              <a:t>‹N°›</a:t>
             </a:fld>
             <a:endParaRPr lang="de-CH"/>
           </a:p>
@@ -2362,7 +2362,7 @@
           <a:p>
             <a:fld id="{4D19A215-3702-439B-A347-C50BC6FFD8CF}" type="datetimeFigureOut">
               <a:rPr lang="de-CH" smtClean="0"/>
-              <a:t>24.06.2022</a:t>
+              <a:t>14.06.2023</a:t>
             </a:fld>
             <a:endParaRPr lang="de-CH"/>
           </a:p>
@@ -2404,7 +2404,7 @@
           <a:p>
             <a:fld id="{4321F47F-9AF6-4794-98A5-BA40A1091137}" type="slidenum">
               <a:rPr lang="de-CH" smtClean="0"/>
-              <a:t>‹#›</a:t>
+              <a:t>‹N°›</a:t>
             </a:fld>
             <a:endParaRPr lang="de-CH"/>
           </a:p>
@@ -2575,7 +2575,7 @@
           <a:p>
             <a:fld id="{4D19A215-3702-439B-A347-C50BC6FFD8CF}" type="datetimeFigureOut">
               <a:rPr lang="de-CH" smtClean="0"/>
-              <a:t>24.06.2022</a:t>
+              <a:t>14.06.2023</a:t>
             </a:fld>
             <a:endParaRPr lang="de-CH"/>
           </a:p>
@@ -2653,7 +2653,7 @@
           <a:p>
             <a:fld id="{4321F47F-9AF6-4794-98A5-BA40A1091137}" type="slidenum">
               <a:rPr lang="de-CH" smtClean="0"/>
-              <a:t>‹#›</a:t>
+              <a:t>‹N°›</a:t>
             </a:fld>
             <a:endParaRPr lang="de-CH"/>
           </a:p>
@@ -2982,14 +2982,106 @@
       </p:grpSpPr>
       <p:sp>
         <p:nvSpPr>
-          <p:cNvPr id="49" name="Rectangle 48"/>
+          <p:cNvPr id="32" name="Rectangle 31"/>
           <p:cNvSpPr/>
           <p:nvPr/>
         </p:nvSpPr>
         <p:spPr>
           <a:xfrm>
-            <a:off x="7050979" y="2005182"/>
-            <a:ext cx="430332" cy="990000"/>
+            <a:off x="3422746" y="2907709"/>
+            <a:ext cx="416547" cy="86459"/>
+          </a:xfrm>
+          <a:prstGeom prst="rect">
+            <a:avLst/>
+          </a:prstGeom>
+          <a:solidFill>
+            <a:srgbClr val="9F4F9F"/>
+          </a:solidFill>
+          <a:ln w="38100">
+            <a:noFill/>
+          </a:ln>
+        </p:spPr>
+        <p:style>
+          <a:lnRef idx="2">
+            <a:schemeClr val="accent1">
+              <a:shade val="50000"/>
+            </a:schemeClr>
+          </a:lnRef>
+          <a:fillRef idx="1">
+            <a:schemeClr val="accent1"/>
+          </a:fillRef>
+          <a:effectRef idx="0">
+            <a:schemeClr val="accent1"/>
+          </a:effectRef>
+          <a:fontRef idx="minor">
+            <a:schemeClr val="lt1"/>
+          </a:fontRef>
+        </p:style>
+        <p:txBody>
+          <a:bodyPr rtlCol="0" anchor="ctr"/>
+          <a:lstStyle/>
+          <a:p>
+            <a:pPr marL="0" marR="0" lvl="0" indent="0" algn="ctr" defTabSz="914400" rtl="0" eaLnBrk="1" fontAlgn="auto" latinLnBrk="0" hangingPunct="1">
+              <a:lnSpc>
+                <a:spcPct val="100000"/>
+              </a:lnSpc>
+              <a:spcBef>
+                <a:spcPts val="0"/>
+              </a:spcBef>
+              <a:spcAft>
+                <a:spcPts val="0"/>
+              </a:spcAft>
+              <a:buClrTx/>
+              <a:buSzTx/>
+              <a:buFontTx/>
+              <a:buNone/>
+              <a:tabLst/>
+              <a:defRPr/>
+            </a:pPr>
+            <a:r>
+              <a:rPr kumimoji="0" lang="en-US" sz="700" b="0" i="0" u="none" strike="noStrike" kern="1200" cap="none" spc="0" normalizeH="0" baseline="0" noProof="0" dirty="0" smtClean="0">
+                <a:ln>
+                  <a:noFill/>
+                </a:ln>
+                <a:solidFill>
+                  <a:prstClr val="black"/>
+                </a:solidFill>
+                <a:effectLst/>
+                <a:uLnTx/>
+                <a:uFillTx/>
+                <a:latin typeface="Calibri" panose="020F0502020204030204"/>
+                <a:ea typeface="+mn-ea"/>
+                <a:cs typeface="+mn-cs"/>
+              </a:rPr>
+              <a:t>23.3%</a:t>
+            </a:r>
+            <a:endParaRPr kumimoji="0" lang="de-CH" sz="700" b="0" i="0" u="none" strike="noStrike" kern="1200" cap="none" spc="0" normalizeH="0" baseline="0" noProof="0" dirty="0">
+              <a:ln>
+                <a:noFill/>
+              </a:ln>
+              <a:solidFill>
+                <a:prstClr val="black"/>
+              </a:solidFill>
+              <a:effectLst/>
+              <a:uLnTx/>
+              <a:uFillTx/>
+              <a:latin typeface="Calibri" panose="020F0502020204030204"/>
+              <a:ea typeface="+mn-ea"/>
+              <a:cs typeface="+mn-cs"/>
+            </a:endParaRPr>
+          </a:p>
+        </p:txBody>
+      </p:sp>
+      <p:sp>
+        <p:nvSpPr>
+          <p:cNvPr id="33" name="Rectangle 32"/>
+          <p:cNvSpPr/>
+          <p:nvPr/>
+        </p:nvSpPr>
+        <p:spPr>
+          <a:xfrm>
+            <a:off x="7050978" y="2303265"/>
+            <a:ext cx="430332" cy="713232"/>
           </a:xfrm>
           <a:prstGeom prst="rect">
             <a:avLst/>
@@ -3023,33 +3115,67 @@
           <a:bodyPr rtlCol="0" anchor="ctr"/>
           <a:lstStyle/>
           <a:p>
-            <a:pPr algn="ctr"/>
-            <a:r>
-              <a:rPr lang="en-US" sz="800" dirty="0" smtClean="0">
+            <a:pPr marL="0" marR="0" lvl="0" indent="0" algn="ctr" defTabSz="914400" rtl="0" eaLnBrk="1" fontAlgn="auto" latinLnBrk="0" hangingPunct="1">
+              <a:lnSpc>
+                <a:spcPct val="100000"/>
+              </a:lnSpc>
+              <a:spcBef>
+                <a:spcPts val="0"/>
+              </a:spcBef>
+              <a:spcAft>
+                <a:spcPts val="0"/>
+              </a:spcAft>
+              <a:buClrTx/>
+              <a:buSzTx/>
+              <a:buFontTx/>
+              <a:buNone/>
+              <a:tabLst/>
+              <a:defRPr/>
+            </a:pPr>
+            <a:r>
+              <a:rPr kumimoji="0" lang="en-US" sz="800" b="0" i="0" u="none" strike="noStrike" kern="1200" cap="none" spc="0" normalizeH="0" baseline="0" noProof="0" dirty="0" smtClean="0">
+                <a:ln>
+                  <a:noFill/>
+                </a:ln>
                 <a:solidFill>
-                  <a:schemeClr val="tx1"/>
+                  <a:prstClr val="black"/>
                 </a:solidFill>
+                <a:effectLst/>
+                <a:uLnTx/>
+                <a:uFillTx/>
+                <a:latin typeface="Calibri" panose="020F0502020204030204"/>
+                <a:ea typeface="+mn-ea"/>
+                <a:cs typeface="+mn-cs"/>
               </a:rPr>
-              <a:t>54.9%</a:t>
-            </a:r>
-            <a:endParaRPr lang="de-CH" sz="800" dirty="0">
+              <a:t>38.8%</a:t>
+            </a:r>
+            <a:endParaRPr kumimoji="0" lang="de-CH" sz="800" b="0" i="0" u="none" strike="noStrike" kern="1200" cap="none" spc="0" normalizeH="0" baseline="0" noProof="0" dirty="0">
+              <a:ln>
+                <a:noFill/>
+              </a:ln>
               <a:solidFill>
-                <a:schemeClr val="tx1"/>
+                <a:prstClr val="black"/>
               </a:solidFill>
+              <a:effectLst/>
+              <a:uLnTx/>
+              <a:uFillTx/>
+              <a:latin typeface="Calibri" panose="020F0502020204030204"/>
+              <a:ea typeface="+mn-ea"/>
+              <a:cs typeface="+mn-cs"/>
             </a:endParaRPr>
           </a:p>
         </p:txBody>
       </p:sp>
       <p:sp>
         <p:nvSpPr>
-          <p:cNvPr id="46" name="Rectangle 45"/>
+          <p:cNvPr id="42" name="Rectangle 41"/>
           <p:cNvSpPr/>
           <p:nvPr/>
         </p:nvSpPr>
         <p:spPr>
           <a:xfrm>
-            <a:off x="6410190" y="2014182"/>
-            <a:ext cx="395999" cy="972000"/>
+            <a:off x="6410191" y="2306363"/>
+            <a:ext cx="395999" cy="704088"/>
           </a:xfrm>
           <a:prstGeom prst="rect">
             <a:avLst/>
@@ -3083,33 +3209,67 @@
           <a:bodyPr rtlCol="0" anchor="ctr"/>
           <a:lstStyle/>
           <a:p>
-            <a:pPr algn="ctr"/>
-            <a:r>
-              <a:rPr lang="en-US" sz="800" dirty="0" smtClean="0">
+            <a:pPr marL="0" marR="0" lvl="0" indent="0" algn="ctr" defTabSz="914400" rtl="0" eaLnBrk="1" fontAlgn="auto" latinLnBrk="0" hangingPunct="1">
+              <a:lnSpc>
+                <a:spcPct val="100000"/>
+              </a:lnSpc>
+              <a:spcBef>
+                <a:spcPts val="0"/>
+              </a:spcBef>
+              <a:spcAft>
+                <a:spcPts val="0"/>
+              </a:spcAft>
+              <a:buClrTx/>
+              <a:buSzTx/>
+              <a:buFontTx/>
+              <a:buNone/>
+              <a:tabLst/>
+              <a:defRPr/>
+            </a:pPr>
+            <a:r>
+              <a:rPr kumimoji="0" lang="en-US" sz="800" b="0" i="0" u="none" strike="noStrike" kern="1200" cap="none" spc="0" normalizeH="0" baseline="0" noProof="0" dirty="0" smtClean="0">
+                <a:ln>
+                  <a:noFill/>
+                </a:ln>
                 <a:solidFill>
-                  <a:schemeClr val="tx1"/>
+                  <a:prstClr val="black"/>
                 </a:solidFill>
+                <a:effectLst/>
+                <a:uLnTx/>
+                <a:uFillTx/>
+                <a:latin typeface="Calibri" panose="020F0502020204030204"/>
+                <a:ea typeface="+mn-ea"/>
+                <a:cs typeface="+mn-cs"/>
               </a:rPr>
-              <a:t>67.0%</a:t>
-            </a:r>
-            <a:endParaRPr lang="de-CH" sz="800" dirty="0">
+              <a:t>47.4%</a:t>
+            </a:r>
+            <a:endParaRPr kumimoji="0" lang="de-CH" sz="800" b="0" i="0" u="none" strike="noStrike" kern="1200" cap="none" spc="0" normalizeH="0" baseline="0" noProof="0" dirty="0">
+              <a:ln>
+                <a:noFill/>
+              </a:ln>
               <a:solidFill>
-                <a:schemeClr val="tx1"/>
+                <a:prstClr val="black"/>
               </a:solidFill>
+              <a:effectLst/>
+              <a:uLnTx/>
+              <a:uFillTx/>
+              <a:latin typeface="Calibri" panose="020F0502020204030204"/>
+              <a:ea typeface="+mn-ea"/>
+              <a:cs typeface="+mn-cs"/>
             </a:endParaRPr>
           </a:p>
         </p:txBody>
       </p:sp>
       <p:sp>
         <p:nvSpPr>
-          <p:cNvPr id="47" name="Rectangle 46"/>
+          <p:cNvPr id="50" name="Rectangle 49"/>
           <p:cNvSpPr/>
           <p:nvPr/>
         </p:nvSpPr>
         <p:spPr>
           <a:xfrm>
-            <a:off x="6394502" y="1913382"/>
-            <a:ext cx="429979" cy="100800"/>
+            <a:off x="6396055" y="2038989"/>
+            <a:ext cx="429979" cy="265176"/>
           </a:xfrm>
           <a:prstGeom prst="rect">
             <a:avLst/>
@@ -3141,33 +3301,67 @@
           <a:bodyPr rtlCol="0" anchor="ctr"/>
           <a:lstStyle/>
           <a:p>
-            <a:pPr algn="ctr"/>
-            <a:r>
-              <a:rPr lang="en-US" sz="800" dirty="0" smtClean="0">
+            <a:pPr marL="0" marR="0" lvl="0" indent="0" algn="ctr" defTabSz="914400" rtl="0" eaLnBrk="1" fontAlgn="auto" latinLnBrk="0" hangingPunct="1">
+              <a:lnSpc>
+                <a:spcPct val="100000"/>
+              </a:lnSpc>
+              <a:spcBef>
+                <a:spcPts val="0"/>
+              </a:spcBef>
+              <a:spcAft>
+                <a:spcPts val="0"/>
+              </a:spcAft>
+              <a:buClrTx/>
+              <a:buSzTx/>
+              <a:buFontTx/>
+              <a:buNone/>
+              <a:tabLst/>
+              <a:defRPr/>
+            </a:pPr>
+            <a:r>
+              <a:rPr kumimoji="0" lang="en-US" sz="800" b="0" i="0" u="none" strike="noStrike" kern="1200" cap="none" spc="0" normalizeH="0" baseline="0" noProof="0" dirty="0" smtClean="0">
+                <a:ln>
+                  <a:noFill/>
+                </a:ln>
                 <a:solidFill>
-                  <a:schemeClr val="tx1"/>
+                  <a:prstClr val="black"/>
                 </a:solidFill>
+                <a:effectLst/>
+                <a:uLnTx/>
+                <a:uFillTx/>
+                <a:latin typeface="Calibri" panose="020F0502020204030204"/>
+                <a:ea typeface="+mn-ea"/>
+                <a:cs typeface="+mn-cs"/>
               </a:rPr>
-              <a:t>7.2%</a:t>
-            </a:r>
-            <a:endParaRPr lang="de-CH" sz="800" dirty="0">
+              <a:t>17.9%</a:t>
+            </a:r>
+            <a:endParaRPr kumimoji="0" lang="de-CH" sz="800" b="0" i="0" u="none" strike="noStrike" kern="1200" cap="none" spc="0" normalizeH="0" baseline="0" noProof="0" dirty="0">
+              <a:ln>
+                <a:noFill/>
+              </a:ln>
               <a:solidFill>
-                <a:schemeClr val="tx1"/>
+                <a:prstClr val="black"/>
               </a:solidFill>
+              <a:effectLst/>
+              <a:uLnTx/>
+              <a:uFillTx/>
+              <a:latin typeface="Calibri" panose="020F0502020204030204"/>
+              <a:ea typeface="+mn-ea"/>
+              <a:cs typeface="+mn-cs"/>
             </a:endParaRPr>
           </a:p>
         </p:txBody>
       </p:sp>
       <p:sp>
         <p:nvSpPr>
-          <p:cNvPr id="48" name="Rectangle 47"/>
+          <p:cNvPr id="51" name="Rectangle 50"/>
           <p:cNvSpPr/>
           <p:nvPr/>
         </p:nvSpPr>
         <p:spPr>
           <a:xfrm>
-            <a:off x="6396910" y="1812414"/>
-            <a:ext cx="427571" cy="100800"/>
+            <a:off x="6398463" y="1771989"/>
+            <a:ext cx="427571" cy="265176"/>
           </a:xfrm>
           <a:prstGeom prst="rect">
             <a:avLst/>
@@ -3201,33 +3395,67 @@
           <a:bodyPr rtlCol="0" anchor="ctr"/>
           <a:lstStyle/>
           <a:p>
-            <a:pPr algn="ctr"/>
-            <a:r>
-              <a:rPr lang="en-US" sz="800" dirty="0" smtClean="0">
+            <a:pPr marL="0" marR="0" lvl="0" indent="0" algn="ctr" defTabSz="914400" rtl="0" eaLnBrk="1" fontAlgn="auto" latinLnBrk="0" hangingPunct="1">
+              <a:lnSpc>
+                <a:spcPct val="100000"/>
+              </a:lnSpc>
+              <a:spcBef>
+                <a:spcPts val="0"/>
+              </a:spcBef>
+              <a:spcAft>
+                <a:spcPts val="0"/>
+              </a:spcAft>
+              <a:buClrTx/>
+              <a:buSzTx/>
+              <a:buFontTx/>
+              <a:buNone/>
+              <a:tabLst/>
+              <a:defRPr/>
+            </a:pPr>
+            <a:r>
+              <a:rPr kumimoji="0" lang="en-US" sz="800" b="0" i="0" u="none" strike="noStrike" kern="1200" cap="none" spc="0" normalizeH="0" baseline="0" noProof="0" dirty="0" smtClean="0">
+                <a:ln>
+                  <a:noFill/>
+                </a:ln>
                 <a:solidFill>
-                  <a:schemeClr val="tx1"/>
+                  <a:prstClr val="black"/>
                 </a:solidFill>
+                <a:effectLst/>
+                <a:uLnTx/>
+                <a:uFillTx/>
+                <a:latin typeface="Calibri" panose="020F0502020204030204"/>
+                <a:ea typeface="+mn-ea"/>
+                <a:cs typeface="+mn-cs"/>
               </a:rPr>
-              <a:t>7.2%</a:t>
-            </a:r>
-            <a:endParaRPr lang="de-CH" sz="800" dirty="0">
+              <a:t>17.9%</a:t>
+            </a:r>
+            <a:endParaRPr kumimoji="0" lang="de-CH" sz="800" b="0" i="0" u="none" strike="noStrike" kern="1200" cap="none" spc="0" normalizeH="0" baseline="0" noProof="0" dirty="0">
+              <a:ln>
+                <a:noFill/>
+              </a:ln>
               <a:solidFill>
-                <a:schemeClr val="tx1"/>
+                <a:prstClr val="black"/>
               </a:solidFill>
+              <a:effectLst/>
+              <a:uLnTx/>
+              <a:uFillTx/>
+              <a:latin typeface="Calibri" panose="020F0502020204030204"/>
+              <a:ea typeface="+mn-ea"/>
+              <a:cs typeface="+mn-cs"/>
             </a:endParaRPr>
           </a:p>
         </p:txBody>
       </p:sp>
       <p:sp>
         <p:nvSpPr>
-          <p:cNvPr id="45" name="Rectangle 44"/>
+          <p:cNvPr id="52" name="Rectangle 51"/>
           <p:cNvSpPr/>
           <p:nvPr/>
         </p:nvSpPr>
         <p:spPr>
           <a:xfrm>
-            <a:off x="4741243" y="1873670"/>
-            <a:ext cx="420037" cy="1126082"/>
+            <a:off x="4738335" y="2168369"/>
+            <a:ext cx="420037" cy="850392"/>
           </a:xfrm>
           <a:prstGeom prst="rect">
             <a:avLst/>
@@ -3261,33 +3489,100 @@
           <a:bodyPr rtlCol="0" anchor="ctr"/>
           <a:lstStyle/>
           <a:p>
-            <a:pPr algn="ctr"/>
-            <a:r>
-              <a:rPr lang="en-US" sz="800" dirty="0" smtClean="0">
+            <a:pPr marL="0" marR="0" lvl="0" indent="0" algn="ctr" defTabSz="914400" rtl="0" eaLnBrk="1" fontAlgn="auto" latinLnBrk="0" hangingPunct="1">
+              <a:lnSpc>
+                <a:spcPct val="100000"/>
+              </a:lnSpc>
+              <a:spcBef>
+                <a:spcPts val="0"/>
+              </a:spcBef>
+              <a:spcAft>
+                <a:spcPts val="0"/>
+              </a:spcAft>
+              <a:buClrTx/>
+              <a:buSzTx/>
+              <a:buFontTx/>
+              <a:buNone/>
+              <a:tabLst/>
+              <a:defRPr/>
+            </a:pPr>
+            <a:r>
+              <a:rPr kumimoji="0" lang="en-US" sz="800" b="0" i="0" u="none" strike="noStrike" kern="1200" cap="none" spc="0" normalizeH="0" baseline="0" noProof="0" dirty="0" smtClean="0">
+                <a:ln>
+                  <a:noFill/>
+                </a:ln>
                 <a:solidFill>
-                  <a:schemeClr val="tx1"/>
+                  <a:prstClr val="black"/>
                 </a:solidFill>
+                <a:effectLst/>
+                <a:uLnTx/>
+                <a:uFillTx/>
+                <a:latin typeface="Calibri" panose="020F0502020204030204"/>
+                <a:ea typeface="+mn-ea"/>
+                <a:cs typeface="+mn-cs"/>
               </a:rPr>
-              <a:t>62.7%</a:t>
-            </a:r>
-            <a:endParaRPr lang="de-CH" sz="800" dirty="0">
+              <a:t>46.4</a:t>
+            </a:r>
+            <a:br>
+              <a:rPr kumimoji="0" lang="en-US" sz="800" b="0" i="0" u="none" strike="noStrike" kern="1200" cap="none" spc="0" normalizeH="0" baseline="0" noProof="0" dirty="0" smtClean="0">
+                <a:ln>
+                  <a:noFill/>
+                </a:ln>
+                <a:solidFill>
+                  <a:prstClr val="black"/>
+                </a:solidFill>
+                <a:effectLst/>
+                <a:uLnTx/>
+                <a:uFillTx/>
+                <a:latin typeface="Calibri" panose="020F0502020204030204"/>
+                <a:ea typeface="+mn-ea"/>
+                <a:cs typeface="+mn-cs"/>
+              </a:rPr>
+            </a:br>
+            <a:r>
+              <a:rPr kumimoji="0" lang="en-US" sz="800" b="0" i="0" u="none" strike="noStrike" kern="1200" cap="none" spc="0" normalizeH="0" baseline="0" noProof="0" dirty="0" smtClean="0">
+                <a:ln>
+                  <a:noFill/>
+                </a:ln>
+                <a:solidFill>
+                  <a:prstClr val="black"/>
+                </a:solidFill>
+                <a:effectLst/>
+                <a:uLnTx/>
+                <a:uFillTx/>
+                <a:latin typeface="Calibri" panose="020F0502020204030204"/>
+                <a:ea typeface="+mn-ea"/>
+                <a:cs typeface="+mn-cs"/>
+              </a:rPr>
+              <a:t>%</a:t>
+            </a:r>
+            <a:endParaRPr kumimoji="0" lang="de-CH" sz="800" b="0" i="0" u="none" strike="noStrike" kern="1200" cap="none" spc="0" normalizeH="0" baseline="0" noProof="0" dirty="0">
+              <a:ln>
+                <a:noFill/>
+              </a:ln>
               <a:solidFill>
-                <a:schemeClr val="tx1"/>
+                <a:prstClr val="black"/>
               </a:solidFill>
+              <a:effectLst/>
+              <a:uLnTx/>
+              <a:uFillTx/>
+              <a:latin typeface="Calibri" panose="020F0502020204030204"/>
+              <a:ea typeface="+mn-ea"/>
+              <a:cs typeface="+mn-cs"/>
             </a:endParaRPr>
           </a:p>
         </p:txBody>
       </p:sp>
       <p:sp>
         <p:nvSpPr>
-          <p:cNvPr id="44" name="Rectangle 43"/>
+          <p:cNvPr id="53" name="Rectangle 52"/>
           <p:cNvSpPr/>
           <p:nvPr/>
         </p:nvSpPr>
         <p:spPr>
           <a:xfrm>
-            <a:off x="4086897" y="1925111"/>
-            <a:ext cx="398276" cy="1080000"/>
+            <a:off x="4087792" y="2164090"/>
+            <a:ext cx="398276" cy="850392"/>
           </a:xfrm>
           <a:prstGeom prst="rect">
             <a:avLst/>
@@ -3321,33 +3616,67 @@
           <a:bodyPr rtlCol="0" anchor="ctr"/>
           <a:lstStyle/>
           <a:p>
-            <a:pPr algn="ctr"/>
-            <a:r>
-              <a:rPr lang="en-US" sz="800" dirty="0" smtClean="0">
+            <a:pPr marL="0" marR="0" lvl="0" indent="0" algn="ctr" defTabSz="914400" rtl="0" eaLnBrk="1" fontAlgn="auto" latinLnBrk="0" hangingPunct="1">
+              <a:lnSpc>
+                <a:spcPct val="100000"/>
+              </a:lnSpc>
+              <a:spcBef>
+                <a:spcPts val="0"/>
+              </a:spcBef>
+              <a:spcAft>
+                <a:spcPts val="0"/>
+              </a:spcAft>
+              <a:buClrTx/>
+              <a:buSzTx/>
+              <a:buFontTx/>
+              <a:buNone/>
+              <a:tabLst/>
+              <a:defRPr/>
+            </a:pPr>
+            <a:r>
+              <a:rPr kumimoji="0" lang="en-US" sz="800" b="0" i="0" u="none" strike="noStrike" kern="1200" cap="none" spc="0" normalizeH="0" baseline="0" noProof="0" dirty="0" smtClean="0">
+                <a:ln>
+                  <a:noFill/>
+                </a:ln>
                 <a:solidFill>
-                  <a:schemeClr val="tx1"/>
+                  <a:prstClr val="black"/>
                 </a:solidFill>
+                <a:effectLst/>
+                <a:uLnTx/>
+                <a:uFillTx/>
+                <a:latin typeface="Calibri" panose="020F0502020204030204"/>
+                <a:ea typeface="+mn-ea"/>
+                <a:cs typeface="+mn-cs"/>
               </a:rPr>
-              <a:t>76.5%</a:t>
-            </a:r>
-            <a:endParaRPr lang="de-CH" sz="800" dirty="0">
+              <a:t>56.7%</a:t>
+            </a:r>
+            <a:endParaRPr kumimoji="0" lang="de-CH" sz="800" b="0" i="0" u="none" strike="noStrike" kern="1200" cap="none" spc="0" normalizeH="0" baseline="0" noProof="0" dirty="0">
+              <a:ln>
+                <a:noFill/>
+              </a:ln>
               <a:solidFill>
-                <a:schemeClr val="tx1"/>
+                <a:prstClr val="black"/>
               </a:solidFill>
+              <a:effectLst/>
+              <a:uLnTx/>
+              <a:uFillTx/>
+              <a:latin typeface="Calibri" panose="020F0502020204030204"/>
+              <a:ea typeface="+mn-ea"/>
+              <a:cs typeface="+mn-cs"/>
             </a:endParaRPr>
           </a:p>
         </p:txBody>
       </p:sp>
       <p:sp>
         <p:nvSpPr>
-          <p:cNvPr id="23" name="Rectangle 22"/>
+          <p:cNvPr id="54" name="Rectangle 53"/>
           <p:cNvSpPr/>
           <p:nvPr/>
         </p:nvSpPr>
         <p:spPr>
           <a:xfrm>
-            <a:off x="4737445" y="1693224"/>
-            <a:ext cx="420037" cy="180000"/>
+            <a:off x="4738334" y="1824105"/>
+            <a:ext cx="420037" cy="347472"/>
           </a:xfrm>
           <a:prstGeom prst="rect">
             <a:avLst/>
@@ -3379,33 +3708,67 @@
           <a:bodyPr rtlCol="0" anchor="ctr"/>
           <a:lstStyle/>
           <a:p>
-            <a:pPr algn="ctr"/>
-            <a:r>
-              <a:rPr lang="en-US" sz="800" dirty="0" smtClean="0">
+            <a:pPr marL="0" marR="0" lvl="0" indent="0" algn="ctr" defTabSz="914400" rtl="0" eaLnBrk="1" fontAlgn="auto" latinLnBrk="0" hangingPunct="1">
+              <a:lnSpc>
+                <a:spcPct val="100000"/>
+              </a:lnSpc>
+              <a:spcBef>
+                <a:spcPts val="0"/>
+              </a:spcBef>
+              <a:spcAft>
+                <a:spcPts val="0"/>
+              </a:spcAft>
+              <a:buClrTx/>
+              <a:buSzTx/>
+              <a:buFontTx/>
+              <a:buNone/>
+              <a:tabLst/>
+              <a:defRPr/>
+            </a:pPr>
+            <a:r>
+              <a:rPr kumimoji="0" lang="en-US" sz="800" b="0" i="0" u="none" strike="noStrike" kern="1200" cap="none" spc="0" normalizeH="0" baseline="0" noProof="0" dirty="0" smtClean="0">
+                <a:ln>
+                  <a:noFill/>
+                </a:ln>
                 <a:solidFill>
-                  <a:schemeClr val="tx1"/>
+                  <a:prstClr val="black"/>
                 </a:solidFill>
+                <a:effectLst/>
+                <a:uLnTx/>
+                <a:uFillTx/>
+                <a:latin typeface="Calibri" panose="020F0502020204030204"/>
+                <a:ea typeface="+mn-ea"/>
+                <a:cs typeface="+mn-cs"/>
               </a:rPr>
-              <a:t>9.8%</a:t>
-            </a:r>
-            <a:endParaRPr lang="de-CH" sz="800" dirty="0">
+              <a:t>18.9%</a:t>
+            </a:r>
+            <a:endParaRPr kumimoji="0" lang="de-CH" sz="800" b="0" i="0" u="none" strike="noStrike" kern="1200" cap="none" spc="0" normalizeH="0" baseline="0" noProof="0" dirty="0">
+              <a:ln>
+                <a:noFill/>
+              </a:ln>
               <a:solidFill>
-                <a:schemeClr val="tx1"/>
+                <a:prstClr val="black"/>
               </a:solidFill>
+              <a:effectLst/>
+              <a:uLnTx/>
+              <a:uFillTx/>
+              <a:latin typeface="Calibri" panose="020F0502020204030204"/>
+              <a:ea typeface="+mn-ea"/>
+              <a:cs typeface="+mn-cs"/>
             </a:endParaRPr>
           </a:p>
         </p:txBody>
       </p:sp>
       <p:sp>
         <p:nvSpPr>
-          <p:cNvPr id="26" name="Rectangle 25"/>
+          <p:cNvPr id="55" name="Rectangle 54"/>
           <p:cNvSpPr/>
           <p:nvPr/>
         </p:nvSpPr>
         <p:spPr>
           <a:xfrm>
-            <a:off x="4741243" y="1585097"/>
-            <a:ext cx="420037" cy="108000"/>
+            <a:off x="4738334" y="1557057"/>
+            <a:ext cx="420037" cy="265176"/>
           </a:xfrm>
           <a:prstGeom prst="rect">
             <a:avLst/>
@@ -3439,33 +3802,67 @@
           <a:bodyPr rtlCol="0" anchor="ctr"/>
           <a:lstStyle/>
           <a:p>
-            <a:pPr algn="ctr"/>
-            <a:r>
-              <a:rPr lang="en-US" sz="800" dirty="0" smtClean="0">
+            <a:pPr marL="0" marR="0" lvl="0" indent="0" algn="ctr" defTabSz="914400" rtl="0" eaLnBrk="1" fontAlgn="auto" latinLnBrk="0" hangingPunct="1">
+              <a:lnSpc>
+                <a:spcPct val="100000"/>
+              </a:lnSpc>
+              <a:spcBef>
+                <a:spcPts val="0"/>
+              </a:spcBef>
+              <a:spcAft>
+                <a:spcPts val="0"/>
+              </a:spcAft>
+              <a:buClrTx/>
+              <a:buSzTx/>
+              <a:buFontTx/>
+              <a:buNone/>
+              <a:tabLst/>
+              <a:defRPr/>
+            </a:pPr>
+            <a:r>
+              <a:rPr kumimoji="0" lang="en-US" sz="800" b="0" i="0" u="none" strike="noStrike" kern="1200" cap="none" spc="0" normalizeH="0" baseline="0" noProof="0" dirty="0" smtClean="0">
+                <a:ln>
+                  <a:noFill/>
+                </a:ln>
                 <a:solidFill>
-                  <a:schemeClr val="tx1"/>
+                  <a:prstClr val="black"/>
                 </a:solidFill>
+                <a:effectLst/>
+                <a:uLnTx/>
+                <a:uFillTx/>
+                <a:latin typeface="Calibri" panose="020F0502020204030204"/>
+                <a:ea typeface="+mn-ea"/>
+                <a:cs typeface="+mn-cs"/>
               </a:rPr>
-              <a:t>6.1%</a:t>
-            </a:r>
-            <a:endParaRPr lang="de-CH" sz="800" dirty="0">
+              <a:t>14.6%</a:t>
+            </a:r>
+            <a:endParaRPr kumimoji="0" lang="de-CH" sz="800" b="0" i="0" u="none" strike="noStrike" kern="1200" cap="none" spc="0" normalizeH="0" baseline="0" noProof="0" dirty="0">
+              <a:ln>
+                <a:noFill/>
+              </a:ln>
               <a:solidFill>
-                <a:schemeClr val="tx1"/>
+                <a:prstClr val="black"/>
               </a:solidFill>
+              <a:effectLst/>
+              <a:uLnTx/>
+              <a:uFillTx/>
+              <a:latin typeface="Calibri" panose="020F0502020204030204"/>
+              <a:ea typeface="+mn-ea"/>
+              <a:cs typeface="+mn-cs"/>
             </a:endParaRPr>
           </a:p>
         </p:txBody>
       </p:sp>
       <p:sp>
         <p:nvSpPr>
-          <p:cNvPr id="6" name="Rectangle 5"/>
+          <p:cNvPr id="56" name="Rectangle 55"/>
           <p:cNvSpPr/>
           <p:nvPr/>
         </p:nvSpPr>
         <p:spPr>
           <a:xfrm>
-            <a:off x="4073206" y="1819224"/>
-            <a:ext cx="420841" cy="108000"/>
+            <a:off x="4075213" y="1899596"/>
+            <a:ext cx="420841" cy="265176"/>
           </a:xfrm>
           <a:prstGeom prst="rect">
             <a:avLst/>
@@ -3497,33 +3894,67 @@
           <a:bodyPr rtlCol="0" anchor="ctr"/>
           <a:lstStyle/>
           <a:p>
-            <a:pPr algn="ctr"/>
-            <a:r>
-              <a:rPr lang="en-US" sz="800" dirty="0" smtClean="0">
+            <a:pPr marL="0" marR="0" lvl="0" indent="0" algn="ctr" defTabSz="914400" rtl="0" eaLnBrk="1" fontAlgn="auto" latinLnBrk="0" hangingPunct="1">
+              <a:lnSpc>
+                <a:spcPct val="100000"/>
+              </a:lnSpc>
+              <a:spcBef>
+                <a:spcPts val="0"/>
+              </a:spcBef>
+              <a:spcAft>
+                <a:spcPts val="0"/>
+              </a:spcAft>
+              <a:buClrTx/>
+              <a:buSzTx/>
+              <a:buFontTx/>
+              <a:buNone/>
+              <a:tabLst/>
+              <a:defRPr/>
+            </a:pPr>
+            <a:r>
+              <a:rPr kumimoji="0" lang="en-US" sz="800" b="0" i="0" u="none" strike="noStrike" kern="1200" cap="none" spc="0" normalizeH="0" baseline="0" noProof="0" dirty="0" smtClean="0">
+                <a:ln>
+                  <a:noFill/>
+                </a:ln>
                 <a:solidFill>
-                  <a:schemeClr val="tx1"/>
+                  <a:prstClr val="black"/>
                 </a:solidFill>
+                <a:effectLst/>
+                <a:uLnTx/>
+                <a:uFillTx/>
+                <a:latin typeface="Calibri" panose="020F0502020204030204"/>
+                <a:ea typeface="+mn-ea"/>
+                <a:cs typeface="+mn-cs"/>
               </a:rPr>
-              <a:t>7.4%</a:t>
-            </a:r>
-            <a:endParaRPr lang="de-CH" sz="800" dirty="0">
+              <a:t>17.9</a:t>
+            </a:r>
+            <a:endParaRPr kumimoji="0" lang="de-CH" sz="800" b="0" i="0" u="none" strike="noStrike" kern="1200" cap="none" spc="0" normalizeH="0" baseline="0" noProof="0" dirty="0">
+              <a:ln>
+                <a:noFill/>
+              </a:ln>
               <a:solidFill>
-                <a:schemeClr val="tx1"/>
+                <a:prstClr val="black"/>
               </a:solidFill>
+              <a:effectLst/>
+              <a:uLnTx/>
+              <a:uFillTx/>
+              <a:latin typeface="Calibri" panose="020F0502020204030204"/>
+              <a:ea typeface="+mn-ea"/>
+              <a:cs typeface="+mn-cs"/>
             </a:endParaRPr>
           </a:p>
         </p:txBody>
       </p:sp>
       <p:sp>
         <p:nvSpPr>
-          <p:cNvPr id="7" name="Rectangle 6"/>
+          <p:cNvPr id="57" name="Rectangle 56"/>
           <p:cNvSpPr/>
           <p:nvPr/>
         </p:nvSpPr>
         <p:spPr>
           <a:xfrm>
-            <a:off x="4083594" y="1714470"/>
-            <a:ext cx="420840" cy="106038"/>
+            <a:off x="4083500" y="1635101"/>
+            <a:ext cx="420840" cy="265176"/>
           </a:xfrm>
           <a:prstGeom prst="rect">
             <a:avLst/>
@@ -3557,33 +3988,67 @@
           <a:bodyPr rtlCol="0" anchor="ctr"/>
           <a:lstStyle/>
           <a:p>
-            <a:pPr algn="ctr"/>
-            <a:r>
-              <a:rPr lang="en-US" sz="800" dirty="0" smtClean="0">
+            <a:pPr marL="0" marR="0" lvl="0" indent="0" algn="ctr" defTabSz="914400" rtl="0" eaLnBrk="1" fontAlgn="auto" latinLnBrk="0" hangingPunct="1">
+              <a:lnSpc>
+                <a:spcPct val="100000"/>
+              </a:lnSpc>
+              <a:spcBef>
+                <a:spcPts val="0"/>
+              </a:spcBef>
+              <a:spcAft>
+                <a:spcPts val="0"/>
+              </a:spcAft>
+              <a:buClrTx/>
+              <a:buSzTx/>
+              <a:buFontTx/>
+              <a:buNone/>
+              <a:tabLst/>
+              <a:defRPr/>
+            </a:pPr>
+            <a:r>
+              <a:rPr kumimoji="0" lang="en-US" sz="800" b="0" i="0" u="none" strike="noStrike" kern="1200" cap="none" spc="0" normalizeH="0" baseline="0" noProof="0" dirty="0" smtClean="0">
+                <a:ln>
+                  <a:noFill/>
+                </a:ln>
                 <a:solidFill>
-                  <a:schemeClr val="tx1"/>
+                  <a:prstClr val="black"/>
                 </a:solidFill>
+                <a:effectLst/>
+                <a:uLnTx/>
+                <a:uFillTx/>
+                <a:latin typeface="Calibri" panose="020F0502020204030204"/>
+                <a:ea typeface="+mn-ea"/>
+                <a:cs typeface="+mn-cs"/>
               </a:rPr>
-              <a:t>7.4%</a:t>
-            </a:r>
-            <a:endParaRPr lang="de-CH" sz="800" dirty="0">
+              <a:t>17.9%</a:t>
+            </a:r>
+            <a:endParaRPr kumimoji="0" lang="de-CH" sz="800" b="0" i="0" u="none" strike="noStrike" kern="1200" cap="none" spc="0" normalizeH="0" baseline="0" noProof="0" dirty="0">
+              <a:ln>
+                <a:noFill/>
+              </a:ln>
               <a:solidFill>
-                <a:schemeClr val="tx1"/>
+                <a:prstClr val="black"/>
               </a:solidFill>
+              <a:effectLst/>
+              <a:uLnTx/>
+              <a:uFillTx/>
+              <a:latin typeface="Calibri" panose="020F0502020204030204"/>
+              <a:ea typeface="+mn-ea"/>
+              <a:cs typeface="+mn-cs"/>
             </a:endParaRPr>
           </a:p>
         </p:txBody>
       </p:sp>
       <p:sp>
         <p:nvSpPr>
-          <p:cNvPr id="4" name="Rectangle 3"/>
+          <p:cNvPr id="58" name="Rectangle 57"/>
           <p:cNvSpPr/>
           <p:nvPr/>
         </p:nvSpPr>
         <p:spPr>
           <a:xfrm>
             <a:off x="4089172" y="1531073"/>
-            <a:ext cx="396000" cy="1476000"/>
+            <a:ext cx="396000" cy="1499616"/>
           </a:xfrm>
           <a:prstGeom prst="rect">
             <a:avLst/>
@@ -3615,14 +4080,43 @@
           <a:bodyPr rtlCol="0" anchor="ctr"/>
           <a:lstStyle/>
           <a:p>
-            <a:pPr algn="ctr"/>
-            <a:endParaRPr lang="de-CH"/>
-          </a:p>
-        </p:txBody>
-      </p:sp>
-      <p:sp>
-        <p:nvSpPr>
-          <p:cNvPr id="9" name="Rectangle 8"/>
+            <a:pPr marL="0" marR="0" lvl="0" indent="0" algn="ctr" defTabSz="914400" rtl="0" eaLnBrk="1" fontAlgn="auto" latinLnBrk="0" hangingPunct="1">
+              <a:lnSpc>
+                <a:spcPct val="100000"/>
+              </a:lnSpc>
+              <a:spcBef>
+                <a:spcPts val="0"/>
+              </a:spcBef>
+              <a:spcAft>
+                <a:spcPts val="0"/>
+              </a:spcAft>
+              <a:buClrTx/>
+              <a:buSzTx/>
+              <a:buFontTx/>
+              <a:buNone/>
+              <a:tabLst/>
+              <a:defRPr/>
+            </a:pPr>
+            <a:endParaRPr kumimoji="0" lang="de-CH" sz="1800" b="0" i="0" u="none" strike="noStrike" kern="1200" cap="none" spc="0" normalizeH="0" baseline="0" noProof="0">
+              <a:ln>
+                <a:noFill/>
+              </a:ln>
+              <a:solidFill>
+                <a:prstClr val="white"/>
+              </a:solidFill>
+              <a:effectLst/>
+              <a:uLnTx/>
+              <a:uFillTx/>
+              <a:latin typeface="Calibri" panose="020F0502020204030204"/>
+              <a:ea typeface="+mn-ea"/>
+              <a:cs typeface="+mn-cs"/>
+            </a:endParaRPr>
+          </a:p>
+        </p:txBody>
+      </p:sp>
+      <p:sp>
+        <p:nvSpPr>
+          <p:cNvPr id="59" name="Rectangle 58"/>
           <p:cNvSpPr/>
           <p:nvPr/>
         </p:nvSpPr>
@@ -3659,41 +4153,85 @@
           <a:bodyPr rtlCol="0" anchor="ctr"/>
           <a:lstStyle/>
           <a:p>
-            <a:pPr algn="ctr"/>
-            <a:r>
-              <a:rPr lang="en-US" sz="1000" b="1" dirty="0" smtClean="0">
+            <a:pPr marL="0" marR="0" lvl="0" indent="0" algn="ctr" defTabSz="914400" rtl="0" eaLnBrk="1" fontAlgn="auto" latinLnBrk="0" hangingPunct="1">
+              <a:lnSpc>
+                <a:spcPct val="100000"/>
+              </a:lnSpc>
+              <a:spcBef>
+                <a:spcPts val="0"/>
+              </a:spcBef>
+              <a:spcAft>
+                <a:spcPts val="0"/>
+              </a:spcAft>
+              <a:buClrTx/>
+              <a:buSzTx/>
+              <a:buFontTx/>
+              <a:buNone/>
+              <a:tabLst/>
+              <a:defRPr/>
+            </a:pPr>
+            <a:r>
+              <a:rPr kumimoji="0" lang="en-US" sz="1000" b="1" i="0" u="none" strike="noStrike" kern="1200" cap="none" spc="0" normalizeH="0" baseline="0" noProof="0" dirty="0" smtClean="0">
+                <a:ln>
+                  <a:noFill/>
+                </a:ln>
                 <a:solidFill>
                   <a:srgbClr val="2D86B2"/>
                 </a:solidFill>
+                <a:effectLst/>
+                <a:uLnTx/>
+                <a:uFillTx/>
                 <a:latin typeface="Arial" panose="020B0604020202020204" pitchFamily="34" charset="0"/>
+                <a:ea typeface="+mn-ea"/>
                 <a:cs typeface="Arial" panose="020B0604020202020204" pitchFamily="34" charset="0"/>
               </a:rPr>
               <a:t>SMC</a:t>
             </a:r>
             <a:br>
-              <a:rPr lang="en-US" sz="1000" b="1" dirty="0" smtClean="0">
+              <a:rPr kumimoji="0" lang="en-US" sz="1000" b="1" i="0" u="none" strike="noStrike" kern="1200" cap="none" spc="0" normalizeH="0" baseline="0" noProof="0" dirty="0" smtClean="0">
+                <a:ln>
+                  <a:noFill/>
+                </a:ln>
                 <a:solidFill>
                   <a:srgbClr val="2D86B2"/>
                 </a:solidFill>
+                <a:effectLst/>
+                <a:uLnTx/>
+                <a:uFillTx/>
                 <a:latin typeface="Arial" panose="020B0604020202020204" pitchFamily="34" charset="0"/>
+                <a:ea typeface="+mn-ea"/>
                 <a:cs typeface="Arial" panose="020B0604020202020204" pitchFamily="34" charset="0"/>
               </a:rPr>
             </a:br>
             <a:r>
-              <a:rPr lang="en-US" sz="1000" b="1" dirty="0" smtClean="0">
+              <a:rPr kumimoji="0" lang="en-US" sz="1000" b="1" i="0" u="none" strike="noStrike" kern="1200" cap="none" spc="0" normalizeH="0" baseline="0" noProof="0" dirty="0" smtClean="0">
+                <a:ln>
+                  <a:noFill/>
+                </a:ln>
                 <a:solidFill>
                   <a:srgbClr val="2D86B2"/>
                 </a:solidFill>
+                <a:effectLst/>
+                <a:uLnTx/>
+                <a:uFillTx/>
                 <a:latin typeface="Arial" panose="020B0604020202020204" pitchFamily="34" charset="0"/>
+                <a:ea typeface="+mn-ea"/>
                 <a:cs typeface="Arial" panose="020B0604020202020204" pitchFamily="34" charset="0"/>
               </a:rPr>
               <a:t>(18%)</a:t>
             </a:r>
-            <a:endParaRPr lang="de-CH" sz="1000" b="1" dirty="0">
+            <a:endParaRPr kumimoji="0" lang="de-CH" sz="1000" b="1" i="0" u="none" strike="noStrike" kern="1200" cap="none" spc="0" normalizeH="0" baseline="0" noProof="0" dirty="0">
+              <a:ln>
+                <a:noFill/>
+              </a:ln>
               <a:solidFill>
                 <a:srgbClr val="2D86B2"/>
               </a:solidFill>
+              <a:effectLst/>
+              <a:uLnTx/>
+              <a:uFillTx/>
               <a:latin typeface="Arial" panose="020B0604020202020204" pitchFamily="34" charset="0"/>
+              <a:ea typeface="+mn-ea"/>
               <a:cs typeface="Arial" panose="020B0604020202020204" pitchFamily="34" charset="0"/>
             </a:endParaRPr>
           </a:p>
@@ -3701,7 +4239,7 @@
       </p:sp>
       <p:sp>
         <p:nvSpPr>
-          <p:cNvPr id="10" name="Rectangle 9"/>
+          <p:cNvPr id="60" name="Rectangle 59"/>
           <p:cNvSpPr/>
           <p:nvPr/>
         </p:nvSpPr>
@@ -3738,35 +4276,88 @@
           <a:bodyPr rtlCol="0" anchor="ctr"/>
           <a:lstStyle/>
           <a:p>
-            <a:pPr algn="ctr"/>
-            <a:r>
-              <a:rPr lang="en-US" sz="1000" b="1" dirty="0" smtClean="0">
+            <a:pPr marL="0" marR="0" lvl="0" indent="0" algn="ctr" defTabSz="914400" rtl="0" eaLnBrk="1" fontAlgn="auto" latinLnBrk="0" hangingPunct="1">
+              <a:lnSpc>
+                <a:spcPct val="100000"/>
+              </a:lnSpc>
+              <a:spcBef>
+                <a:spcPts val="0"/>
+              </a:spcBef>
+              <a:spcAft>
+                <a:spcPts val="0"/>
+              </a:spcAft>
+              <a:buClrTx/>
+              <a:buSzTx/>
+              <a:buFontTx/>
+              <a:buNone/>
+              <a:tabLst/>
+              <a:defRPr/>
+            </a:pPr>
+            <a:r>
+              <a:rPr kumimoji="0" lang="en-US" sz="1000" b="1" i="0" u="none" strike="noStrike" kern="1200" cap="none" spc="0" normalizeH="0" baseline="0" noProof="0" dirty="0" smtClean="0">
+                <a:ln>
+                  <a:noFill/>
+                </a:ln>
                 <a:solidFill>
                   <a:srgbClr val="FDA9FD"/>
                 </a:solidFill>
+                <a:effectLst/>
+                <a:uLnTx/>
+                <a:uFillTx/>
                 <a:latin typeface="Arial" panose="020B0604020202020204" pitchFamily="34" charset="0"/>
+                <a:ea typeface="+mn-ea"/>
                 <a:cs typeface="Arial" panose="020B0604020202020204" pitchFamily="34" charset="0"/>
               </a:rPr>
               <a:t>No-SMC</a:t>
             </a:r>
           </a:p>
           <a:p>
-            <a:pPr algn="ctr"/>
-            <a:r>
-              <a:rPr lang="en-US" sz="1000" b="1" dirty="0" smtClean="0">
+            <a:pPr marL="0" marR="0" lvl="0" indent="0" algn="ctr" defTabSz="914400" rtl="0" eaLnBrk="1" fontAlgn="auto" latinLnBrk="0" hangingPunct="1">
+              <a:lnSpc>
+                <a:spcPct val="100000"/>
+              </a:lnSpc>
+              <a:spcBef>
+                <a:spcPts val="0"/>
+              </a:spcBef>
+              <a:spcAft>
+                <a:spcPts val="0"/>
+              </a:spcAft>
+              <a:buClrTx/>
+              <a:buSzTx/>
+              <a:buFontTx/>
+              <a:buNone/>
+              <a:tabLst/>
+              <a:defRPr/>
+            </a:pPr>
+            <a:r>
+              <a:rPr kumimoji="0" lang="en-US" sz="1000" b="1" i="0" u="none" strike="noStrike" kern="1200" cap="none" spc="0" normalizeH="0" baseline="0" noProof="0" dirty="0" smtClean="0">
+                <a:ln>
+                  <a:noFill/>
+                </a:ln>
                 <a:solidFill>
                   <a:srgbClr val="FDA9FD"/>
                 </a:solidFill>
+                <a:effectLst/>
+                <a:uLnTx/>
+                <a:uFillTx/>
                 <a:latin typeface="Arial" panose="020B0604020202020204" pitchFamily="34" charset="0"/>
+                <a:ea typeface="+mn-ea"/>
                 <a:cs typeface="Arial" panose="020B0604020202020204" pitchFamily="34" charset="0"/>
               </a:rPr>
               <a:t>(82%)</a:t>
             </a:r>
-            <a:endParaRPr lang="de-CH" sz="1000" b="1" dirty="0">
+            <a:endParaRPr kumimoji="0" lang="de-CH" sz="1000" b="1" i="0" u="none" strike="noStrike" kern="1200" cap="none" spc="0" normalizeH="0" baseline="0" noProof="0" dirty="0">
+              <a:ln>
+                <a:noFill/>
+              </a:ln>
               <a:solidFill>
                 <a:srgbClr val="FDA9FD"/>
               </a:solidFill>
+              <a:effectLst/>
+              <a:uLnTx/>
+              <a:uFillTx/>
               <a:latin typeface="Arial" panose="020B0604020202020204" pitchFamily="34" charset="0"/>
+              <a:ea typeface="+mn-ea"/>
               <a:cs typeface="Arial" panose="020B0604020202020204" pitchFamily="34" charset="0"/>
             </a:endParaRPr>
           </a:p>
@@ -3774,14 +4365,14 @@
       </p:sp>
       <p:sp>
         <p:nvSpPr>
-          <p:cNvPr id="20" name="Rectangle 19"/>
+          <p:cNvPr id="61" name="Rectangle 60"/>
           <p:cNvSpPr/>
           <p:nvPr/>
         </p:nvSpPr>
         <p:spPr>
           <a:xfrm>
             <a:off x="4743519" y="1207073"/>
-            <a:ext cx="396000" cy="1800000"/>
+            <a:ext cx="396000" cy="1828800"/>
           </a:xfrm>
           <a:prstGeom prst="rect">
             <a:avLst/>
@@ -3813,14 +4404,43 @@
           <a:bodyPr rtlCol="0" anchor="ctr"/>
           <a:lstStyle/>
           <a:p>
-            <a:pPr algn="ctr"/>
-            <a:endParaRPr lang="de-CH"/>
-          </a:p>
-        </p:txBody>
-      </p:sp>
-      <p:sp>
-        <p:nvSpPr>
-          <p:cNvPr id="28" name="Rectangle 27"/>
+            <a:pPr marL="0" marR="0" lvl="0" indent="0" algn="ctr" defTabSz="914400" rtl="0" eaLnBrk="1" fontAlgn="auto" latinLnBrk="0" hangingPunct="1">
+              <a:lnSpc>
+                <a:spcPct val="100000"/>
+              </a:lnSpc>
+              <a:spcBef>
+                <a:spcPts val="0"/>
+              </a:spcBef>
+              <a:spcAft>
+                <a:spcPts val="0"/>
+              </a:spcAft>
+              <a:buClrTx/>
+              <a:buSzTx/>
+              <a:buFontTx/>
+              <a:buNone/>
+              <a:tabLst/>
+              <a:defRPr/>
+            </a:pPr>
+            <a:endParaRPr kumimoji="0" lang="de-CH" sz="1800" b="0" i="0" u="none" strike="noStrike" kern="1200" cap="none" spc="0" normalizeH="0" baseline="0" noProof="0">
+              <a:ln>
+                <a:noFill/>
+              </a:ln>
+              <a:solidFill>
+                <a:prstClr val="white"/>
+              </a:solidFill>
+              <a:effectLst/>
+              <a:uLnTx/>
+              <a:uFillTx/>
+              <a:latin typeface="Calibri" panose="020F0502020204030204"/>
+              <a:ea typeface="+mn-ea"/>
+              <a:cs typeface="+mn-cs"/>
+            </a:endParaRPr>
+          </a:p>
+        </p:txBody>
+      </p:sp>
+      <p:sp>
+        <p:nvSpPr>
+          <p:cNvPr id="62" name="Rectangle 61"/>
           <p:cNvSpPr/>
           <p:nvPr/>
         </p:nvSpPr>
@@ -3857,35 +4477,88 @@
           <a:bodyPr rtlCol="0" anchor="ctr"/>
           <a:lstStyle/>
           <a:p>
-            <a:pPr algn="ctr"/>
-            <a:r>
-              <a:rPr lang="en-US" sz="1000" b="1" dirty="0" smtClean="0">
+            <a:pPr marL="0" marR="0" lvl="0" indent="0" algn="ctr" defTabSz="914400" rtl="0" eaLnBrk="1" fontAlgn="auto" latinLnBrk="0" hangingPunct="1">
+              <a:lnSpc>
+                <a:spcPct val="100000"/>
+              </a:lnSpc>
+              <a:spcBef>
+                <a:spcPts val="0"/>
+              </a:spcBef>
+              <a:spcAft>
+                <a:spcPts val="0"/>
+              </a:spcAft>
+              <a:buClrTx/>
+              <a:buSzTx/>
+              <a:buFontTx/>
+              <a:buNone/>
+              <a:tabLst/>
+              <a:defRPr/>
+            </a:pPr>
+            <a:r>
+              <a:rPr kumimoji="0" lang="en-US" sz="1000" b="1" i="0" u="none" strike="noStrike" kern="1200" cap="none" spc="0" normalizeH="0" baseline="0" noProof="0" dirty="0" smtClean="0">
+                <a:ln>
+                  <a:noFill/>
+                </a:ln>
                 <a:solidFill>
-                  <a:schemeClr val="tx1"/>
+                  <a:prstClr val="black"/>
                 </a:solidFill>
+                <a:effectLst/>
+                <a:uLnTx/>
+                <a:uFillTx/>
                 <a:latin typeface="Arial" panose="020B0604020202020204" pitchFamily="34" charset="0"/>
+                <a:ea typeface="+mn-ea"/>
                 <a:cs typeface="Arial" panose="020B0604020202020204" pitchFamily="34" charset="0"/>
               </a:rPr>
               <a:t>Total </a:t>
             </a:r>
           </a:p>
           <a:p>
-            <a:pPr algn="ctr"/>
-            <a:r>
-              <a:rPr lang="en-US" sz="1000" b="1" dirty="0" smtClean="0">
+            <a:pPr marL="0" marR="0" lvl="0" indent="0" algn="ctr" defTabSz="914400" rtl="0" eaLnBrk="1" fontAlgn="auto" latinLnBrk="0" hangingPunct="1">
+              <a:lnSpc>
+                <a:spcPct val="100000"/>
+              </a:lnSpc>
+              <a:spcBef>
+                <a:spcPts val="0"/>
+              </a:spcBef>
+              <a:spcAft>
+                <a:spcPts val="0"/>
+              </a:spcAft>
+              <a:buClrTx/>
+              <a:buSzTx/>
+              <a:buFontTx/>
+              <a:buNone/>
+              <a:tabLst/>
+              <a:defRPr/>
+            </a:pPr>
+            <a:r>
+              <a:rPr kumimoji="0" lang="en-US" sz="1000" b="1" i="0" u="none" strike="noStrike" kern="1200" cap="none" spc="0" normalizeH="0" baseline="0" noProof="0" dirty="0" smtClean="0">
+                <a:ln>
+                  <a:noFill/>
+                </a:ln>
                 <a:solidFill>
-                  <a:schemeClr val="tx1"/>
+                  <a:prstClr val="black"/>
                 </a:solidFill>
+                <a:effectLst/>
+                <a:uLnTx/>
+                <a:uFillTx/>
                 <a:latin typeface="Arial" panose="020B0604020202020204" pitchFamily="34" charset="0"/>
+                <a:ea typeface="+mn-ea"/>
                 <a:cs typeface="Arial" panose="020B0604020202020204" pitchFamily="34" charset="0"/>
               </a:rPr>
               <a:t>(100%)</a:t>
             </a:r>
-            <a:endParaRPr lang="de-CH" sz="1000" b="1" dirty="0">
+            <a:endParaRPr kumimoji="0" lang="de-CH" sz="1000" b="1" i="0" u="none" strike="noStrike" kern="1200" cap="none" spc="0" normalizeH="0" baseline="0" noProof="0" dirty="0">
+              <a:ln>
+                <a:noFill/>
+              </a:ln>
               <a:solidFill>
-                <a:schemeClr val="tx1"/>
+                <a:prstClr val="black"/>
               </a:solidFill>
+              <a:effectLst/>
+              <a:uLnTx/>
+              <a:uFillTx/>
               <a:latin typeface="Arial" panose="020B0604020202020204" pitchFamily="34" charset="0"/>
+              <a:ea typeface="+mn-ea"/>
               <a:cs typeface="Arial" panose="020B0604020202020204" pitchFamily="34" charset="0"/>
             </a:endParaRPr>
           </a:p>
@@ -3893,14 +4566,14 @@
       </p:sp>
       <p:sp>
         <p:nvSpPr>
-          <p:cNvPr id="29" name="TextBox 28"/>
+          <p:cNvPr id="63" name="TextBox 28"/>
           <p:cNvSpPr txBox="1"/>
           <p:nvPr/>
         </p:nvSpPr>
         <p:spPr>
           <a:xfrm>
-            <a:off x="3252171" y="3028890"/>
-            <a:ext cx="2070000" cy="553998"/>
+            <a:off x="3252170" y="3028890"/>
+            <a:ext cx="2151679" cy="553998"/>
           </a:xfrm>
           <a:prstGeom prst="rect">
             <a:avLst/>
@@ -3913,56 +4586,170 @@
           </a:bodyPr>
           <a:lstStyle/>
           <a:p>
-            <a:pPr>
+            <a:pPr marL="0" marR="0" lvl="0" indent="0" algn="l" defTabSz="914400" rtl="0" eaLnBrk="1" fontAlgn="auto" latinLnBrk="0" hangingPunct="1">
+              <a:lnSpc>
+                <a:spcPct val="100000"/>
+              </a:lnSpc>
+              <a:spcBef>
+                <a:spcPts val="0"/>
+              </a:spcBef>
+              <a:spcAft>
+                <a:spcPts val="0"/>
+              </a:spcAft>
+              <a:buClrTx/>
+              <a:buSzTx/>
+              <a:buFontTx/>
+              <a:buNone/>
               <a:tabLst>
                 <a:tab pos="806450" algn="l"/>
               </a:tabLst>
+              <a:defRPr/>
             </a:pPr>
             <a:r>
-              <a:rPr lang="en-US" sz="1000" b="1" dirty="0" smtClean="0"/>
+              <a:rPr kumimoji="0" lang="en-US" sz="1000" b="1" i="0" u="none" strike="noStrike" kern="1200" cap="none" spc="0" normalizeH="0" baseline="0" noProof="0" dirty="0" smtClean="0">
+                <a:ln>
+                  <a:noFill/>
+                </a:ln>
+                <a:solidFill>
+                  <a:prstClr val="black"/>
+                </a:solidFill>
+                <a:effectLst/>
+                <a:uLnTx/>
+                <a:uFillTx/>
+                <a:latin typeface="Calibri" panose="020F0502020204030204"/>
+                <a:ea typeface="+mn-ea"/>
+                <a:cs typeface="+mn-cs"/>
+              </a:rPr>
               <a:t>P(Quintuple)	= </a:t>
             </a:r>
             <a:r>
-              <a:rPr lang="en-US" sz="1000" dirty="0" smtClean="0"/>
-              <a:t>(9.9+ 62.7)/(9.9+  	   </a:t>
-            </a:r>
-            <a:r>
-              <a:rPr lang="en-US" sz="1000" dirty="0" smtClean="0"/>
-              <a:t>	   6.1+2*62.7</a:t>
-            </a:r>
-            <a:r>
-              <a:rPr lang="en-US" sz="1000" dirty="0" smtClean="0"/>
-              <a:t>) </a:t>
+              <a:rPr kumimoji="0" lang="en-US" sz="1000" b="0" i="0" u="none" strike="noStrike" kern="1200" cap="none" spc="0" normalizeH="0" baseline="0" noProof="0" dirty="0" smtClean="0">
+                <a:ln>
+                  <a:noFill/>
+                </a:ln>
+                <a:solidFill>
+                  <a:prstClr val="black"/>
+                </a:solidFill>
+                <a:effectLst/>
+                <a:uLnTx/>
+                <a:uFillTx/>
+                <a:latin typeface="Calibri" panose="020F0502020204030204"/>
+                <a:ea typeface="+mn-ea"/>
+                <a:cs typeface="+mn-cs"/>
+              </a:rPr>
+              <a:t>(18.9+ 46.4)/(14.6+  	   	 </a:t>
+            </a:r>
+            <a:r>
+              <a:rPr kumimoji="0" lang="en-US" sz="1000" b="0" i="0" u="none" strike="noStrike" kern="1200" cap="none" spc="0" normalizeH="0" baseline="0" noProof="0" dirty="0">
+                <a:ln>
+                  <a:noFill/>
+                </a:ln>
+                <a:solidFill>
+                  <a:prstClr val="black"/>
+                </a:solidFill>
+                <a:effectLst/>
+                <a:uLnTx/>
+                <a:uFillTx/>
+                <a:latin typeface="Calibri" panose="020F0502020204030204"/>
+                <a:ea typeface="+mn-ea"/>
+                <a:cs typeface="+mn-cs"/>
+              </a:rPr>
+              <a:t>18.9+ </a:t>
+            </a:r>
+            <a:r>
+              <a:rPr kumimoji="0" lang="en-US" sz="1000" b="0" i="0" u="none" strike="noStrike" kern="1200" cap="none" spc="0" normalizeH="0" baseline="0" noProof="0" dirty="0" smtClean="0">
+                <a:ln>
+                  <a:noFill/>
+                </a:ln>
+                <a:solidFill>
+                  <a:prstClr val="black"/>
+                </a:solidFill>
+                <a:effectLst/>
+                <a:uLnTx/>
+                <a:uFillTx/>
+                <a:latin typeface="Calibri" panose="020F0502020204030204"/>
+                <a:ea typeface="+mn-ea"/>
+                <a:cs typeface="+mn-cs"/>
+              </a:rPr>
+              <a:t>2*46.4) </a:t>
             </a:r>
             <a:br>
-              <a:rPr lang="en-US" sz="1000" dirty="0" smtClean="0"/>
+              <a:rPr kumimoji="0" lang="en-US" sz="1000" b="0" i="0" u="none" strike="noStrike" kern="1200" cap="none" spc="0" normalizeH="0" baseline="0" noProof="0" dirty="0" smtClean="0">
+                <a:ln>
+                  <a:noFill/>
+                </a:ln>
+                <a:solidFill>
+                  <a:prstClr val="black"/>
+                </a:solidFill>
+                <a:effectLst/>
+                <a:uLnTx/>
+                <a:uFillTx/>
+                <a:latin typeface="Calibri" panose="020F0502020204030204"/>
+                <a:ea typeface="+mn-ea"/>
+                <a:cs typeface="+mn-cs"/>
+              </a:rPr>
             </a:br>
             <a:r>
-              <a:rPr lang="en-US" sz="1000" dirty="0" smtClean="0"/>
+              <a:rPr kumimoji="0" lang="en-US" sz="1000" b="0" i="0" u="none" strike="noStrike" kern="1200" cap="none" spc="0" normalizeH="0" baseline="0" noProof="0" dirty="0" smtClean="0">
+                <a:ln>
+                  <a:noFill/>
+                </a:ln>
+                <a:solidFill>
+                  <a:prstClr val="black"/>
+                </a:solidFill>
+                <a:effectLst/>
+                <a:uLnTx/>
+                <a:uFillTx/>
+                <a:latin typeface="Calibri" panose="020F0502020204030204"/>
+                <a:ea typeface="+mn-ea"/>
+                <a:cs typeface="+mn-cs"/>
+              </a:rPr>
               <a:t>	</a:t>
             </a:r>
             <a:r>
-              <a:rPr lang="en-US" sz="1000" b="1" dirty="0" smtClean="0"/>
-              <a:t>= </a:t>
-            </a:r>
-            <a:r>
-              <a:rPr lang="en-US" sz="1000" b="1" dirty="0" smtClean="0"/>
-              <a:t>51.3%</a:t>
-            </a:r>
-            <a:endParaRPr lang="de-CH" sz="1000" b="1" dirty="0"/>
-          </a:p>
-        </p:txBody>
-      </p:sp>
-      <p:sp>
-        <p:nvSpPr>
-          <p:cNvPr id="30" name="Rectangle 29"/>
+              <a:rPr kumimoji="0" lang="en-US" sz="1000" b="1" i="0" u="none" strike="noStrike" kern="1200" cap="none" spc="0" normalizeH="0" baseline="0" noProof="0" dirty="0" smtClean="0">
+                <a:ln>
+                  <a:noFill/>
+                </a:ln>
+                <a:solidFill>
+                  <a:prstClr val="black"/>
+                </a:solidFill>
+                <a:effectLst/>
+                <a:uLnTx/>
+                <a:uFillTx/>
+                <a:latin typeface="Calibri" panose="020F0502020204030204"/>
+                <a:ea typeface="+mn-ea"/>
+                <a:cs typeface="+mn-cs"/>
+              </a:rPr>
+              <a:t>= 51.7%</a:t>
+            </a:r>
+            <a:endParaRPr kumimoji="0" lang="de-CH" sz="1000" b="1" i="0" u="none" strike="noStrike" kern="1200" cap="none" spc="0" normalizeH="0" baseline="0" noProof="0" dirty="0">
+              <a:ln>
+                <a:noFill/>
+              </a:ln>
+              <a:solidFill>
+                <a:prstClr val="black"/>
+              </a:solidFill>
+              <a:effectLst/>
+              <a:uLnTx/>
+              <a:uFillTx/>
+              <a:latin typeface="Calibri" panose="020F0502020204030204"/>
+              <a:ea typeface="+mn-ea"/>
+              <a:cs typeface="+mn-cs"/>
+            </a:endParaRPr>
+          </a:p>
+        </p:txBody>
+      </p:sp>
+      <p:sp>
+        <p:nvSpPr>
+          <p:cNvPr id="64" name="Rectangle 63"/>
           <p:cNvSpPr/>
           <p:nvPr/>
         </p:nvSpPr>
         <p:spPr>
           <a:xfrm>
-            <a:off x="7064537" y="1824921"/>
-            <a:ext cx="416774" cy="180000"/>
+            <a:off x="7054150" y="1953811"/>
+            <a:ext cx="416774" cy="347472"/>
           </a:xfrm>
           <a:prstGeom prst="rect">
             <a:avLst/>
@@ -3994,33 +4781,67 @@
           <a:bodyPr rtlCol="0" anchor="ctr"/>
           <a:lstStyle/>
           <a:p>
-            <a:pPr algn="ctr"/>
-            <a:r>
-              <a:rPr lang="en-US" sz="800" dirty="0" smtClean="0">
+            <a:pPr marL="0" marR="0" lvl="0" indent="0" algn="ctr" defTabSz="914400" rtl="0" eaLnBrk="1" fontAlgn="auto" latinLnBrk="0" hangingPunct="1">
+              <a:lnSpc>
+                <a:spcPct val="100000"/>
+              </a:lnSpc>
+              <a:spcBef>
+                <a:spcPts val="0"/>
+              </a:spcBef>
+              <a:spcAft>
+                <a:spcPts val="0"/>
+              </a:spcAft>
+              <a:buClrTx/>
+              <a:buSzTx/>
+              <a:buFontTx/>
+              <a:buNone/>
+              <a:tabLst/>
+              <a:defRPr/>
+            </a:pPr>
+            <a:r>
+              <a:rPr kumimoji="0" lang="en-US" sz="800" b="0" i="0" u="none" strike="noStrike" kern="1200" cap="none" spc="0" normalizeH="0" baseline="0" noProof="0" dirty="0" smtClean="0">
+                <a:ln>
+                  <a:noFill/>
+                </a:ln>
                 <a:solidFill>
-                  <a:schemeClr val="tx1"/>
+                  <a:prstClr val="black"/>
                 </a:solidFill>
+                <a:effectLst/>
+                <a:uLnTx/>
+                <a:uFillTx/>
+                <a:latin typeface="Calibri" panose="020F0502020204030204"/>
+                <a:ea typeface="+mn-ea"/>
+                <a:cs typeface="+mn-cs"/>
               </a:rPr>
-              <a:t>9.7%</a:t>
-            </a:r>
-            <a:endParaRPr lang="de-CH" sz="800" dirty="0">
+              <a:t>18.9%</a:t>
+            </a:r>
+            <a:endParaRPr kumimoji="0" lang="de-CH" sz="800" b="0" i="0" u="none" strike="noStrike" kern="1200" cap="none" spc="0" normalizeH="0" baseline="0" noProof="0" dirty="0">
+              <a:ln>
+                <a:noFill/>
+              </a:ln>
               <a:solidFill>
-                <a:schemeClr val="tx1"/>
+                <a:prstClr val="black"/>
               </a:solidFill>
+              <a:effectLst/>
+              <a:uLnTx/>
+              <a:uFillTx/>
+              <a:latin typeface="Calibri" panose="020F0502020204030204"/>
+              <a:ea typeface="+mn-ea"/>
+              <a:cs typeface="+mn-cs"/>
             </a:endParaRPr>
           </a:p>
         </p:txBody>
       </p:sp>
       <p:sp>
         <p:nvSpPr>
-          <p:cNvPr id="31" name="Rectangle 30"/>
+          <p:cNvPr id="65" name="Rectangle 64"/>
           <p:cNvSpPr/>
           <p:nvPr/>
         </p:nvSpPr>
         <p:spPr>
           <a:xfrm>
-            <a:off x="7064537" y="1719000"/>
-            <a:ext cx="416774" cy="108000"/>
+            <a:off x="7054150" y="1624627"/>
+            <a:ext cx="416774" cy="329184"/>
           </a:xfrm>
           <a:prstGeom prst="rect">
             <a:avLst/>
@@ -4054,33 +4875,67 @@
           <a:bodyPr rtlCol="0" anchor="ctr"/>
           <a:lstStyle/>
           <a:p>
-            <a:pPr algn="ctr"/>
-            <a:r>
-              <a:rPr lang="en-US" sz="800" dirty="0" smtClean="0">
+            <a:pPr marL="0" marR="0" lvl="0" indent="0" algn="ctr" defTabSz="914400" rtl="0" eaLnBrk="1" fontAlgn="auto" latinLnBrk="0" hangingPunct="1">
+              <a:lnSpc>
+                <a:spcPct val="100000"/>
+              </a:lnSpc>
+              <a:spcBef>
+                <a:spcPts val="0"/>
+              </a:spcBef>
+              <a:spcAft>
+                <a:spcPts val="0"/>
+              </a:spcAft>
+              <a:buClrTx/>
+              <a:buSzTx/>
+              <a:buFontTx/>
+              <a:buNone/>
+              <a:tabLst/>
+              <a:defRPr/>
+            </a:pPr>
+            <a:r>
+              <a:rPr kumimoji="0" lang="en-US" sz="800" b="0" i="0" u="none" strike="noStrike" kern="1200" cap="none" spc="0" normalizeH="0" baseline="0" noProof="0" dirty="0" smtClean="0">
+                <a:ln>
+                  <a:noFill/>
+                </a:ln>
                 <a:solidFill>
-                  <a:schemeClr val="tx1"/>
+                  <a:prstClr val="black"/>
                 </a:solidFill>
+                <a:effectLst/>
+                <a:uLnTx/>
+                <a:uFillTx/>
+                <a:latin typeface="Calibri" panose="020F0502020204030204"/>
+                <a:ea typeface="+mn-ea"/>
+                <a:cs typeface="+mn-cs"/>
               </a:rPr>
-              <a:t>5.9%</a:t>
-            </a:r>
-            <a:endParaRPr lang="de-CH" sz="800" dirty="0">
+              <a:t>14.6%</a:t>
+            </a:r>
+            <a:endParaRPr kumimoji="0" lang="de-CH" sz="800" b="0" i="0" u="none" strike="noStrike" kern="1200" cap="none" spc="0" normalizeH="0" baseline="0" noProof="0" dirty="0">
+              <a:ln>
+                <a:noFill/>
+              </a:ln>
               <a:solidFill>
-                <a:schemeClr val="tx1"/>
+                <a:prstClr val="black"/>
               </a:solidFill>
+              <a:effectLst/>
+              <a:uLnTx/>
+              <a:uFillTx/>
+              <a:latin typeface="Calibri" panose="020F0502020204030204"/>
+              <a:ea typeface="+mn-ea"/>
+              <a:cs typeface="+mn-cs"/>
             </a:endParaRPr>
           </a:p>
         </p:txBody>
       </p:sp>
       <p:sp>
         <p:nvSpPr>
-          <p:cNvPr id="34" name="Rectangle 33"/>
+          <p:cNvPr id="68" name="Rectangle 67"/>
           <p:cNvSpPr/>
           <p:nvPr/>
         </p:nvSpPr>
         <p:spPr>
           <a:xfrm>
             <a:off x="6410190" y="1531073"/>
-            <a:ext cx="396000" cy="1476000"/>
+            <a:ext cx="396000" cy="1499616"/>
           </a:xfrm>
           <a:prstGeom prst="rect">
             <a:avLst/>
@@ -4112,14 +4967,43 @@
           <a:bodyPr rtlCol="0" anchor="ctr"/>
           <a:lstStyle/>
           <a:p>
-            <a:pPr algn="ctr"/>
-            <a:endParaRPr lang="de-CH"/>
-          </a:p>
-        </p:txBody>
-      </p:sp>
-      <p:sp>
-        <p:nvSpPr>
-          <p:cNvPr id="35" name="Rectangle 34"/>
+            <a:pPr marL="0" marR="0" lvl="0" indent="0" algn="ctr" defTabSz="914400" rtl="0" eaLnBrk="1" fontAlgn="auto" latinLnBrk="0" hangingPunct="1">
+              <a:lnSpc>
+                <a:spcPct val="100000"/>
+              </a:lnSpc>
+              <a:spcBef>
+                <a:spcPts val="0"/>
+              </a:spcBef>
+              <a:spcAft>
+                <a:spcPts val="0"/>
+              </a:spcAft>
+              <a:buClrTx/>
+              <a:buSzTx/>
+              <a:buFontTx/>
+              <a:buNone/>
+              <a:tabLst/>
+              <a:defRPr/>
+            </a:pPr>
+            <a:endParaRPr kumimoji="0" lang="de-CH" sz="1800" b="0" i="0" u="none" strike="noStrike" kern="1200" cap="none" spc="0" normalizeH="0" baseline="0" noProof="0">
+              <a:ln>
+                <a:noFill/>
+              </a:ln>
+              <a:solidFill>
+                <a:prstClr val="white"/>
+              </a:solidFill>
+              <a:effectLst/>
+              <a:uLnTx/>
+              <a:uFillTx/>
+              <a:latin typeface="Calibri" panose="020F0502020204030204"/>
+              <a:ea typeface="+mn-ea"/>
+              <a:cs typeface="+mn-cs"/>
+            </a:endParaRPr>
+          </a:p>
+        </p:txBody>
+      </p:sp>
+      <p:sp>
+        <p:nvSpPr>
+          <p:cNvPr id="69" name="Rectangle 68"/>
           <p:cNvSpPr/>
           <p:nvPr/>
         </p:nvSpPr>
@@ -4156,41 +5040,85 @@
           <a:bodyPr rtlCol="0" anchor="ctr"/>
           <a:lstStyle/>
           <a:p>
-            <a:pPr algn="ctr"/>
-            <a:r>
-              <a:rPr lang="en-US" sz="1000" b="1" dirty="0" smtClean="0">
+            <a:pPr marL="0" marR="0" lvl="0" indent="0" algn="ctr" defTabSz="914400" rtl="0" eaLnBrk="1" fontAlgn="auto" latinLnBrk="0" hangingPunct="1">
+              <a:lnSpc>
+                <a:spcPct val="100000"/>
+              </a:lnSpc>
+              <a:spcBef>
+                <a:spcPts val="0"/>
+              </a:spcBef>
+              <a:spcAft>
+                <a:spcPts val="0"/>
+              </a:spcAft>
+              <a:buClrTx/>
+              <a:buSzTx/>
+              <a:buFontTx/>
+              <a:buNone/>
+              <a:tabLst/>
+              <a:defRPr/>
+            </a:pPr>
+            <a:r>
+              <a:rPr kumimoji="0" lang="en-US" sz="1000" b="1" i="0" u="none" strike="noStrike" kern="1200" cap="none" spc="0" normalizeH="0" baseline="0" noProof="0" dirty="0" smtClean="0">
+                <a:ln>
+                  <a:noFill/>
+                </a:ln>
                 <a:solidFill>
                   <a:srgbClr val="2D86B2"/>
                 </a:solidFill>
+                <a:effectLst/>
+                <a:uLnTx/>
+                <a:uFillTx/>
                 <a:latin typeface="Arial" panose="020B0604020202020204" pitchFamily="34" charset="0"/>
+                <a:ea typeface="+mn-ea"/>
                 <a:cs typeface="Arial" panose="020B0604020202020204" pitchFamily="34" charset="0"/>
               </a:rPr>
               <a:t>SMC</a:t>
             </a:r>
             <a:br>
-              <a:rPr lang="en-US" sz="1000" b="1" dirty="0" smtClean="0">
+              <a:rPr kumimoji="0" lang="en-US" sz="1000" b="1" i="0" u="none" strike="noStrike" kern="1200" cap="none" spc="0" normalizeH="0" baseline="0" noProof="0" dirty="0" smtClean="0">
+                <a:ln>
+                  <a:noFill/>
+                </a:ln>
                 <a:solidFill>
                   <a:srgbClr val="2D86B2"/>
                 </a:solidFill>
+                <a:effectLst/>
+                <a:uLnTx/>
+                <a:uFillTx/>
                 <a:latin typeface="Arial" panose="020B0604020202020204" pitchFamily="34" charset="0"/>
+                <a:ea typeface="+mn-ea"/>
                 <a:cs typeface="Arial" panose="020B0604020202020204" pitchFamily="34" charset="0"/>
               </a:rPr>
             </a:br>
             <a:r>
-              <a:rPr lang="en-US" sz="1000" b="1" dirty="0" smtClean="0">
+              <a:rPr kumimoji="0" lang="en-US" sz="1000" b="1" i="0" u="none" strike="noStrike" kern="1200" cap="none" spc="0" normalizeH="0" baseline="0" noProof="0" dirty="0" smtClean="0">
+                <a:ln>
+                  <a:noFill/>
+                </a:ln>
                 <a:solidFill>
                   <a:srgbClr val="2D86B2"/>
                 </a:solidFill>
+                <a:effectLst/>
+                <a:uLnTx/>
+                <a:uFillTx/>
                 <a:latin typeface="Arial" panose="020B0604020202020204" pitchFamily="34" charset="0"/>
+                <a:ea typeface="+mn-ea"/>
                 <a:cs typeface="Arial" panose="020B0604020202020204" pitchFamily="34" charset="0"/>
               </a:rPr>
               <a:t>(18%)</a:t>
             </a:r>
-            <a:endParaRPr lang="de-CH" sz="1000" b="1" dirty="0">
+            <a:endParaRPr kumimoji="0" lang="de-CH" sz="1000" b="1" i="0" u="none" strike="noStrike" kern="1200" cap="none" spc="0" normalizeH="0" baseline="0" noProof="0" dirty="0">
+              <a:ln>
+                <a:noFill/>
+              </a:ln>
               <a:solidFill>
                 <a:srgbClr val="2D86B2"/>
               </a:solidFill>
+              <a:effectLst/>
+              <a:uLnTx/>
+              <a:uFillTx/>
               <a:latin typeface="Arial" panose="020B0604020202020204" pitchFamily="34" charset="0"/>
+              <a:ea typeface="+mn-ea"/>
               <a:cs typeface="Arial" panose="020B0604020202020204" pitchFamily="34" charset="0"/>
             </a:endParaRPr>
           </a:p>
@@ -4198,7 +5126,7 @@
       </p:sp>
       <p:sp>
         <p:nvSpPr>
-          <p:cNvPr id="36" name="Rectangle 35"/>
+          <p:cNvPr id="70" name="Rectangle 69"/>
           <p:cNvSpPr/>
           <p:nvPr/>
         </p:nvSpPr>
@@ -4235,35 +5163,88 @@
           <a:bodyPr rtlCol="0" anchor="ctr"/>
           <a:lstStyle/>
           <a:p>
-            <a:pPr algn="ctr"/>
-            <a:r>
-              <a:rPr lang="en-US" sz="1000" b="1" dirty="0" smtClean="0">
+            <a:pPr marL="0" marR="0" lvl="0" indent="0" algn="ctr" defTabSz="914400" rtl="0" eaLnBrk="1" fontAlgn="auto" latinLnBrk="0" hangingPunct="1">
+              <a:lnSpc>
+                <a:spcPct val="100000"/>
+              </a:lnSpc>
+              <a:spcBef>
+                <a:spcPts val="0"/>
+              </a:spcBef>
+              <a:spcAft>
+                <a:spcPts val="0"/>
+              </a:spcAft>
+              <a:buClrTx/>
+              <a:buSzTx/>
+              <a:buFontTx/>
+              <a:buNone/>
+              <a:tabLst/>
+              <a:defRPr/>
+            </a:pPr>
+            <a:r>
+              <a:rPr kumimoji="0" lang="en-US" sz="1000" b="1" i="0" u="none" strike="noStrike" kern="1200" cap="none" spc="0" normalizeH="0" baseline="0" noProof="0" dirty="0" smtClean="0">
+                <a:ln>
+                  <a:noFill/>
+                </a:ln>
                 <a:solidFill>
                   <a:srgbClr val="FDA9FD"/>
                 </a:solidFill>
+                <a:effectLst/>
+                <a:uLnTx/>
+                <a:uFillTx/>
                 <a:latin typeface="Arial" panose="020B0604020202020204" pitchFamily="34" charset="0"/>
+                <a:ea typeface="+mn-ea"/>
                 <a:cs typeface="Arial" panose="020B0604020202020204" pitchFamily="34" charset="0"/>
               </a:rPr>
               <a:t>No-SMC</a:t>
             </a:r>
           </a:p>
           <a:p>
-            <a:pPr algn="ctr"/>
-            <a:r>
-              <a:rPr lang="en-US" sz="1000" b="1" dirty="0" smtClean="0">
+            <a:pPr marL="0" marR="0" lvl="0" indent="0" algn="ctr" defTabSz="914400" rtl="0" eaLnBrk="1" fontAlgn="auto" latinLnBrk="0" hangingPunct="1">
+              <a:lnSpc>
+                <a:spcPct val="100000"/>
+              </a:lnSpc>
+              <a:spcBef>
+                <a:spcPts val="0"/>
+              </a:spcBef>
+              <a:spcAft>
+                <a:spcPts val="0"/>
+              </a:spcAft>
+              <a:buClrTx/>
+              <a:buSzTx/>
+              <a:buFontTx/>
+              <a:buNone/>
+              <a:tabLst/>
+              <a:defRPr/>
+            </a:pPr>
+            <a:r>
+              <a:rPr kumimoji="0" lang="en-US" sz="1000" b="1" i="0" u="none" strike="noStrike" kern="1200" cap="none" spc="0" normalizeH="0" baseline="0" noProof="0" dirty="0" smtClean="0">
+                <a:ln>
+                  <a:noFill/>
+                </a:ln>
                 <a:solidFill>
                   <a:srgbClr val="FDA9FD"/>
                 </a:solidFill>
+                <a:effectLst/>
+                <a:uLnTx/>
+                <a:uFillTx/>
                 <a:latin typeface="Arial" panose="020B0604020202020204" pitchFamily="34" charset="0"/>
+                <a:ea typeface="+mn-ea"/>
                 <a:cs typeface="Arial" panose="020B0604020202020204" pitchFamily="34" charset="0"/>
               </a:rPr>
               <a:t>(82%)</a:t>
             </a:r>
-            <a:endParaRPr lang="de-CH" sz="1000" b="1" dirty="0">
+            <a:endParaRPr kumimoji="0" lang="de-CH" sz="1000" b="1" i="0" u="none" strike="noStrike" kern="1200" cap="none" spc="0" normalizeH="0" baseline="0" noProof="0" dirty="0">
+              <a:ln>
+                <a:noFill/>
+              </a:ln>
               <a:solidFill>
                 <a:srgbClr val="FDA9FD"/>
               </a:solidFill>
+              <a:effectLst/>
+              <a:uLnTx/>
+              <a:uFillTx/>
               <a:latin typeface="Arial" panose="020B0604020202020204" pitchFamily="34" charset="0"/>
+              <a:ea typeface="+mn-ea"/>
               <a:cs typeface="Arial" panose="020B0604020202020204" pitchFamily="34" charset="0"/>
             </a:endParaRPr>
           </a:p>
@@ -4271,14 +5252,14 @@
       </p:sp>
       <p:sp>
         <p:nvSpPr>
-          <p:cNvPr id="37" name="Rectangle 36"/>
+          <p:cNvPr id="71" name="Rectangle 70"/>
           <p:cNvSpPr/>
           <p:nvPr/>
         </p:nvSpPr>
         <p:spPr>
           <a:xfrm>
-            <a:off x="5755843" y="2933111"/>
-            <a:ext cx="396000" cy="72000"/>
+            <a:off x="5745683" y="2907710"/>
+            <a:ext cx="416547" cy="86459"/>
           </a:xfrm>
           <a:prstGeom prst="rect">
             <a:avLst/>
@@ -4310,33 +5291,67 @@
           <a:bodyPr rtlCol="0" anchor="ctr"/>
           <a:lstStyle/>
           <a:p>
-            <a:pPr algn="ctr"/>
-            <a:r>
-              <a:rPr lang="en-US" sz="800" dirty="0" smtClean="0">
+            <a:pPr marL="0" marR="0" lvl="0" indent="0" algn="ctr" defTabSz="914400" rtl="0" eaLnBrk="1" fontAlgn="auto" latinLnBrk="0" hangingPunct="1">
+              <a:lnSpc>
+                <a:spcPct val="100000"/>
+              </a:lnSpc>
+              <a:spcBef>
+                <a:spcPts val="0"/>
+              </a:spcBef>
+              <a:spcAft>
+                <a:spcPts val="0"/>
+              </a:spcAft>
+              <a:buClrTx/>
+              <a:buSzTx/>
+              <a:buFontTx/>
+              <a:buNone/>
+              <a:tabLst/>
+              <a:defRPr/>
+            </a:pPr>
+            <a:r>
+              <a:rPr kumimoji="0" lang="en-US" sz="700" b="0" i="0" u="none" strike="noStrike" kern="1200" cap="none" spc="0" normalizeH="0" baseline="0" noProof="0" dirty="0" smtClean="0">
+                <a:ln>
+                  <a:noFill/>
+                </a:ln>
                 <a:solidFill>
-                  <a:schemeClr val="tx1"/>
+                  <a:prstClr val="black"/>
                 </a:solidFill>
+                <a:effectLst/>
+                <a:uLnTx/>
+                <a:uFillTx/>
+                <a:latin typeface="Calibri" panose="020F0502020204030204"/>
+                <a:ea typeface="+mn-ea"/>
+                <a:cs typeface="+mn-cs"/>
               </a:rPr>
-              <a:t>21%</a:t>
-            </a:r>
-            <a:endParaRPr lang="de-CH" sz="800" dirty="0">
+              <a:t>23.3%</a:t>
+            </a:r>
+            <a:endParaRPr kumimoji="0" lang="de-CH" sz="700" b="0" i="0" u="none" strike="noStrike" kern="1200" cap="none" spc="0" normalizeH="0" baseline="0" noProof="0" dirty="0">
+              <a:ln>
+                <a:noFill/>
+              </a:ln>
               <a:solidFill>
-                <a:schemeClr val="tx1"/>
+                <a:prstClr val="black"/>
               </a:solidFill>
+              <a:effectLst/>
+              <a:uLnTx/>
+              <a:uFillTx/>
+              <a:latin typeface="Calibri" panose="020F0502020204030204"/>
+              <a:ea typeface="+mn-ea"/>
+              <a:cs typeface="+mn-cs"/>
             </a:endParaRPr>
           </a:p>
         </p:txBody>
       </p:sp>
       <p:sp>
         <p:nvSpPr>
-          <p:cNvPr id="38" name="Rectangle 37"/>
+          <p:cNvPr id="72" name="Rectangle 71"/>
           <p:cNvSpPr/>
           <p:nvPr/>
         </p:nvSpPr>
         <p:spPr>
           <a:xfrm>
             <a:off x="5755843" y="2683073"/>
-            <a:ext cx="396000" cy="324000"/>
+            <a:ext cx="396000" cy="329184"/>
           </a:xfrm>
           <a:prstGeom prst="rect">
             <a:avLst/>
@@ -4368,21 +5383,50 @@
           <a:bodyPr rtlCol="0" anchor="ctr"/>
           <a:lstStyle/>
           <a:p>
-            <a:pPr algn="ctr"/>
-            <a:endParaRPr lang="de-CH"/>
-          </a:p>
-        </p:txBody>
-      </p:sp>
-      <p:sp>
-        <p:nvSpPr>
-          <p:cNvPr id="39" name="Rectangle 38"/>
+            <a:pPr marL="0" marR="0" lvl="0" indent="0" algn="ctr" defTabSz="914400" rtl="0" eaLnBrk="1" fontAlgn="auto" latinLnBrk="0" hangingPunct="1">
+              <a:lnSpc>
+                <a:spcPct val="100000"/>
+              </a:lnSpc>
+              <a:spcBef>
+                <a:spcPts val="0"/>
+              </a:spcBef>
+              <a:spcAft>
+                <a:spcPts val="0"/>
+              </a:spcAft>
+              <a:buClrTx/>
+              <a:buSzTx/>
+              <a:buFontTx/>
+              <a:buNone/>
+              <a:tabLst/>
+              <a:defRPr/>
+            </a:pPr>
+            <a:endParaRPr kumimoji="0" lang="de-CH" sz="1800" b="0" i="0" u="none" strike="noStrike" kern="1200" cap="none" spc="0" normalizeH="0" baseline="0" noProof="0">
+              <a:ln>
+                <a:noFill/>
+              </a:ln>
+              <a:solidFill>
+                <a:prstClr val="white"/>
+              </a:solidFill>
+              <a:effectLst/>
+              <a:uLnTx/>
+              <a:uFillTx/>
+              <a:latin typeface="Calibri" panose="020F0502020204030204"/>
+              <a:ea typeface="+mn-ea"/>
+              <a:cs typeface="+mn-cs"/>
+            </a:endParaRPr>
+          </a:p>
+        </p:txBody>
+      </p:sp>
+      <p:sp>
+        <p:nvSpPr>
+          <p:cNvPr id="73" name="Rectangle 72"/>
           <p:cNvSpPr/>
           <p:nvPr/>
         </p:nvSpPr>
         <p:spPr>
           <a:xfrm>
             <a:off x="7064537" y="1207073"/>
-            <a:ext cx="396000" cy="1800000"/>
+            <a:ext cx="396000" cy="1828800"/>
           </a:xfrm>
           <a:prstGeom prst="rect">
             <a:avLst/>
@@ -4414,14 +5458,43 @@
           <a:bodyPr rtlCol="0" anchor="ctr"/>
           <a:lstStyle/>
           <a:p>
-            <a:pPr algn="ctr"/>
-            <a:endParaRPr lang="de-CH"/>
-          </a:p>
-        </p:txBody>
-      </p:sp>
-      <p:sp>
-        <p:nvSpPr>
-          <p:cNvPr id="40" name="Rectangle 39"/>
+            <a:pPr marL="0" marR="0" lvl="0" indent="0" algn="ctr" defTabSz="914400" rtl="0" eaLnBrk="1" fontAlgn="auto" latinLnBrk="0" hangingPunct="1">
+              <a:lnSpc>
+                <a:spcPct val="100000"/>
+              </a:lnSpc>
+              <a:spcBef>
+                <a:spcPts val="0"/>
+              </a:spcBef>
+              <a:spcAft>
+                <a:spcPts val="0"/>
+              </a:spcAft>
+              <a:buClrTx/>
+              <a:buSzTx/>
+              <a:buFontTx/>
+              <a:buNone/>
+              <a:tabLst/>
+              <a:defRPr/>
+            </a:pPr>
+            <a:endParaRPr kumimoji="0" lang="de-CH" sz="1800" b="0" i="0" u="none" strike="noStrike" kern="1200" cap="none" spc="0" normalizeH="0" baseline="0" noProof="0">
+              <a:ln>
+                <a:noFill/>
+              </a:ln>
+              <a:solidFill>
+                <a:prstClr val="white"/>
+              </a:solidFill>
+              <a:effectLst/>
+              <a:uLnTx/>
+              <a:uFillTx/>
+              <a:latin typeface="Calibri" panose="020F0502020204030204"/>
+              <a:ea typeface="+mn-ea"/>
+              <a:cs typeface="+mn-cs"/>
+            </a:endParaRPr>
+          </a:p>
+        </p:txBody>
+      </p:sp>
+      <p:sp>
+        <p:nvSpPr>
+          <p:cNvPr id="74" name="Rectangle 73"/>
           <p:cNvSpPr/>
           <p:nvPr/>
         </p:nvSpPr>
@@ -4458,35 +5531,88 @@
           <a:bodyPr rtlCol="0" anchor="ctr"/>
           <a:lstStyle/>
           <a:p>
-            <a:pPr algn="ctr"/>
-            <a:r>
-              <a:rPr lang="en-US" sz="1000" b="1" dirty="0" smtClean="0">
+            <a:pPr marL="0" marR="0" lvl="0" indent="0" algn="ctr" defTabSz="914400" rtl="0" eaLnBrk="1" fontAlgn="auto" latinLnBrk="0" hangingPunct="1">
+              <a:lnSpc>
+                <a:spcPct val="100000"/>
+              </a:lnSpc>
+              <a:spcBef>
+                <a:spcPts val="0"/>
+              </a:spcBef>
+              <a:spcAft>
+                <a:spcPts val="0"/>
+              </a:spcAft>
+              <a:buClrTx/>
+              <a:buSzTx/>
+              <a:buFontTx/>
+              <a:buNone/>
+              <a:tabLst/>
+              <a:defRPr/>
+            </a:pPr>
+            <a:r>
+              <a:rPr kumimoji="0" lang="en-US" sz="1000" b="1" i="0" u="none" strike="noStrike" kern="1200" cap="none" spc="0" normalizeH="0" baseline="0" noProof="0" dirty="0" smtClean="0">
+                <a:ln>
+                  <a:noFill/>
+                </a:ln>
                 <a:solidFill>
-                  <a:schemeClr val="tx1"/>
+                  <a:prstClr val="black"/>
                 </a:solidFill>
+                <a:effectLst/>
+                <a:uLnTx/>
+                <a:uFillTx/>
                 <a:latin typeface="Arial" panose="020B0604020202020204" pitchFamily="34" charset="0"/>
+                <a:ea typeface="+mn-ea"/>
                 <a:cs typeface="Arial" panose="020B0604020202020204" pitchFamily="34" charset="0"/>
               </a:rPr>
               <a:t>Total </a:t>
             </a:r>
           </a:p>
           <a:p>
-            <a:pPr algn="ctr"/>
-            <a:r>
-              <a:rPr lang="en-US" sz="1000" b="1" dirty="0" smtClean="0">
+            <a:pPr marL="0" marR="0" lvl="0" indent="0" algn="ctr" defTabSz="914400" rtl="0" eaLnBrk="1" fontAlgn="auto" latinLnBrk="0" hangingPunct="1">
+              <a:lnSpc>
+                <a:spcPct val="100000"/>
+              </a:lnSpc>
+              <a:spcBef>
+                <a:spcPts val="0"/>
+              </a:spcBef>
+              <a:spcAft>
+                <a:spcPts val="0"/>
+              </a:spcAft>
+              <a:buClrTx/>
+              <a:buSzTx/>
+              <a:buFontTx/>
+              <a:buNone/>
+              <a:tabLst/>
+              <a:defRPr/>
+            </a:pPr>
+            <a:r>
+              <a:rPr kumimoji="0" lang="en-US" sz="1000" b="1" i="0" u="none" strike="noStrike" kern="1200" cap="none" spc="0" normalizeH="0" baseline="0" noProof="0" dirty="0" smtClean="0">
+                <a:ln>
+                  <a:noFill/>
+                </a:ln>
                 <a:solidFill>
-                  <a:schemeClr val="tx1"/>
+                  <a:prstClr val="black"/>
                 </a:solidFill>
+                <a:effectLst/>
+                <a:uLnTx/>
+                <a:uFillTx/>
                 <a:latin typeface="Arial" panose="020B0604020202020204" pitchFamily="34" charset="0"/>
+                <a:ea typeface="+mn-ea"/>
                 <a:cs typeface="Arial" panose="020B0604020202020204" pitchFamily="34" charset="0"/>
               </a:rPr>
               <a:t>(100%)</a:t>
             </a:r>
-            <a:endParaRPr lang="de-CH" sz="1000" b="1" dirty="0">
+            <a:endParaRPr kumimoji="0" lang="de-CH" sz="1000" b="1" i="0" u="none" strike="noStrike" kern="1200" cap="none" spc="0" normalizeH="0" baseline="0" noProof="0" dirty="0">
+              <a:ln>
+                <a:noFill/>
+              </a:ln>
               <a:solidFill>
-                <a:schemeClr val="tx1"/>
+                <a:prstClr val="black"/>
               </a:solidFill>
+              <a:effectLst/>
+              <a:uLnTx/>
+              <a:uFillTx/>
               <a:latin typeface="Arial" panose="020B0604020202020204" pitchFamily="34" charset="0"/>
+              <a:ea typeface="+mn-ea"/>
               <a:cs typeface="Arial" panose="020B0604020202020204" pitchFamily="34" charset="0"/>
             </a:endParaRPr>
           </a:p>
@@ -4494,14 +5620,14 @@
       </p:sp>
       <p:sp>
         <p:nvSpPr>
-          <p:cNvPr id="41" name="TextBox 40"/>
+          <p:cNvPr id="75" name="TextBox 40"/>
           <p:cNvSpPr txBox="1"/>
           <p:nvPr/>
         </p:nvSpPr>
         <p:spPr>
           <a:xfrm>
             <a:off x="5568056" y="3028890"/>
-            <a:ext cx="2070000" cy="553998"/>
+            <a:ext cx="2267844" cy="553998"/>
           </a:xfrm>
           <a:prstGeom prst="rect">
             <a:avLst/>
@@ -4514,61 +5640,233 @@
           </a:bodyPr>
           <a:lstStyle/>
           <a:p>
-            <a:pPr>
+            <a:pPr marL="0" marR="0" lvl="0" indent="0" algn="l" defTabSz="914400" rtl="0" eaLnBrk="1" fontAlgn="auto" latinLnBrk="0" hangingPunct="1">
+              <a:lnSpc>
+                <a:spcPct val="100000"/>
+              </a:lnSpc>
+              <a:spcBef>
+                <a:spcPts val="0"/>
+              </a:spcBef>
+              <a:spcAft>
+                <a:spcPts val="0"/>
+              </a:spcAft>
+              <a:buClrTx/>
+              <a:buSzTx/>
+              <a:buFontTx/>
+              <a:buNone/>
               <a:tabLst>
                 <a:tab pos="806450" algn="l"/>
               </a:tabLst>
+              <a:defRPr/>
             </a:pPr>
             <a:r>
-              <a:rPr lang="en-US" sz="1000" b="1" dirty="0" smtClean="0"/>
+              <a:rPr kumimoji="0" lang="en-US" sz="1000" b="1" i="0" u="none" strike="noStrike" kern="1200" cap="none" spc="0" normalizeH="0" baseline="0" noProof="0" dirty="0" smtClean="0">
+                <a:ln>
+                  <a:noFill/>
+                </a:ln>
+                <a:solidFill>
+                  <a:prstClr val="black"/>
+                </a:solidFill>
+                <a:effectLst/>
+                <a:uLnTx/>
+                <a:uFillTx/>
+                <a:latin typeface="Calibri" panose="020F0502020204030204"/>
+                <a:ea typeface="+mn-ea"/>
+                <a:cs typeface="+mn-cs"/>
+              </a:rPr>
               <a:t>P(Quintuple)	</a:t>
             </a:r>
             <a:r>
-              <a:rPr lang="en-US" sz="1000" b="1" dirty="0"/>
+              <a:rPr kumimoji="0" lang="en-US" sz="1000" b="1" i="0" u="none" strike="noStrike" kern="1200" cap="none" spc="0" normalizeH="0" baseline="0" noProof="0" dirty="0">
+                <a:ln>
+                  <a:noFill/>
+                </a:ln>
+                <a:solidFill>
+                  <a:prstClr val="black"/>
+                </a:solidFill>
+                <a:effectLst/>
+                <a:uLnTx/>
+                <a:uFillTx/>
+                <a:latin typeface="Calibri" panose="020F0502020204030204"/>
+                <a:ea typeface="+mn-ea"/>
+                <a:cs typeface="+mn-cs"/>
+              </a:rPr>
               <a:t>= </a:t>
             </a:r>
             <a:r>
-              <a:rPr lang="en-US" sz="1000" dirty="0"/>
-              <a:t>(</a:t>
-            </a:r>
-            <a:r>
-              <a:rPr lang="en-US" sz="1000" dirty="0" smtClean="0"/>
-              <a:t>9.7+ 54.9)/(9.7+ 	   </a:t>
-            </a:r>
-            <a:r>
-              <a:rPr lang="en-US" sz="1000" dirty="0" smtClean="0"/>
-              <a:t>	   5.9+2*54.9</a:t>
-            </a:r>
-            <a:r>
-              <a:rPr lang="en-US" sz="1000" dirty="0" smtClean="0"/>
-              <a:t>)</a:t>
-            </a:r>
-            <a:r>
-              <a:rPr lang="en-US" sz="1000" b="1" dirty="0" smtClean="0"/>
-              <a:t> </a:t>
-            </a:r>
-          </a:p>
-          <a:p>
-            <a:pPr>
+              <a:rPr kumimoji="0" lang="en-US" sz="1000" b="0" i="0" u="none" strike="noStrike" kern="1200" cap="none" spc="0" normalizeH="0" baseline="0" noProof="0" dirty="0">
+                <a:ln>
+                  <a:noFill/>
+                </a:ln>
+                <a:solidFill>
+                  <a:prstClr val="black"/>
+                </a:solidFill>
+                <a:effectLst/>
+                <a:uLnTx/>
+                <a:uFillTx/>
+                <a:latin typeface="Calibri" panose="020F0502020204030204"/>
+                <a:ea typeface="+mn-ea"/>
+                <a:cs typeface="+mn-cs"/>
+              </a:rPr>
+              <a:t>(18.9+ 46.4)/(</a:t>
+            </a:r>
+            <a:r>
+              <a:rPr kumimoji="0" lang="en-US" sz="1000" b="0" i="0" u="none" strike="noStrike" kern="1200" cap="none" spc="0" normalizeH="0" baseline="0" noProof="0" dirty="0" smtClean="0">
+                <a:ln>
+                  <a:noFill/>
+                </a:ln>
+                <a:solidFill>
+                  <a:prstClr val="black"/>
+                </a:solidFill>
+                <a:effectLst/>
+                <a:uLnTx/>
+                <a:uFillTx/>
+                <a:latin typeface="Calibri" panose="020F0502020204030204"/>
+                <a:ea typeface="+mn-ea"/>
+                <a:cs typeface="+mn-cs"/>
+              </a:rPr>
+              <a:t>14.6+  </a:t>
+            </a:r>
+            <a:r>
+              <a:rPr kumimoji="0" lang="en-US" sz="1000" b="0" i="0" u="none" strike="noStrike" kern="1200" cap="none" spc="0" normalizeH="0" baseline="0" noProof="0" dirty="0">
+                <a:ln>
+                  <a:noFill/>
+                </a:ln>
+                <a:solidFill>
+                  <a:prstClr val="black"/>
+                </a:solidFill>
+                <a:effectLst/>
+                <a:uLnTx/>
+                <a:uFillTx/>
+                <a:latin typeface="Calibri" panose="020F0502020204030204"/>
+                <a:ea typeface="+mn-ea"/>
+                <a:cs typeface="+mn-cs"/>
+              </a:rPr>
+              <a:t>	   	 18.9+ </a:t>
+            </a:r>
+            <a:r>
+              <a:rPr kumimoji="0" lang="en-US" sz="1000" b="0" i="0" u="none" strike="noStrike" kern="1200" cap="none" spc="0" normalizeH="0" baseline="0" noProof="0" dirty="0" smtClean="0">
+                <a:ln>
+                  <a:noFill/>
+                </a:ln>
+                <a:solidFill>
+                  <a:prstClr val="black"/>
+                </a:solidFill>
+                <a:effectLst/>
+                <a:uLnTx/>
+                <a:uFillTx/>
+                <a:latin typeface="Calibri" panose="020F0502020204030204"/>
+                <a:ea typeface="+mn-ea"/>
+                <a:cs typeface="+mn-cs"/>
+              </a:rPr>
+              <a:t>2*38.8) </a:t>
+            </a:r>
+            <a:r>
+              <a:rPr kumimoji="0" lang="en-US" sz="1000" b="1" i="0" u="none" strike="noStrike" kern="1200" cap="none" spc="0" normalizeH="0" baseline="0" noProof="0" dirty="0">
+                <a:ln>
+                  <a:noFill/>
+                </a:ln>
+                <a:solidFill>
+                  <a:prstClr val="black"/>
+                </a:solidFill>
+                <a:effectLst/>
+                <a:uLnTx/>
+                <a:uFillTx/>
+                <a:latin typeface="Calibri" panose="020F0502020204030204"/>
+                <a:ea typeface="+mn-ea"/>
+                <a:cs typeface="+mn-cs"/>
+              </a:rPr>
+              <a:t>	</a:t>
+            </a:r>
+            <a:endParaRPr kumimoji="0" lang="en-US" sz="1000" b="1" i="0" u="none" strike="noStrike" kern="1200" cap="none" spc="0" normalizeH="0" baseline="0" noProof="0" dirty="0" smtClean="0">
+              <a:ln>
+                <a:noFill/>
+              </a:ln>
+              <a:solidFill>
+                <a:prstClr val="black"/>
+              </a:solidFill>
+              <a:effectLst/>
+              <a:uLnTx/>
+              <a:uFillTx/>
+              <a:latin typeface="Calibri" panose="020F0502020204030204"/>
+              <a:ea typeface="+mn-ea"/>
+              <a:cs typeface="+mn-cs"/>
+            </a:endParaRPr>
+          </a:p>
+          <a:p>
+            <a:pPr marL="0" marR="0" lvl="0" indent="0" algn="l" defTabSz="914400" rtl="0" eaLnBrk="1" fontAlgn="auto" latinLnBrk="0" hangingPunct="1">
+              <a:lnSpc>
+                <a:spcPct val="100000"/>
+              </a:lnSpc>
+              <a:spcBef>
+                <a:spcPts val="0"/>
+              </a:spcBef>
+              <a:spcAft>
+                <a:spcPts val="0"/>
+              </a:spcAft>
+              <a:buClrTx/>
+              <a:buSzTx/>
+              <a:buFontTx/>
+              <a:buNone/>
               <a:tabLst>
                 <a:tab pos="806450" algn="l"/>
               </a:tabLst>
+              <a:defRPr/>
             </a:pPr>
             <a:r>
-              <a:rPr lang="en-US" sz="1000" b="1" dirty="0"/>
+              <a:rPr kumimoji="0" lang="en-US" sz="1000" b="1" i="0" u="none" strike="noStrike" kern="1200" cap="none" spc="0" normalizeH="0" baseline="0" noProof="0" dirty="0">
+                <a:ln>
+                  <a:noFill/>
+                </a:ln>
+                <a:solidFill>
+                  <a:prstClr val="black"/>
+                </a:solidFill>
+                <a:effectLst/>
+                <a:uLnTx/>
+                <a:uFillTx/>
+                <a:latin typeface="Calibri" panose="020F0502020204030204"/>
+                <a:ea typeface="+mn-ea"/>
+                <a:cs typeface="+mn-cs"/>
+              </a:rPr>
               <a:t>	</a:t>
             </a:r>
             <a:r>
-              <a:rPr lang="en-US" sz="1000" b="1" dirty="0" smtClean="0"/>
-              <a:t>= 51.5%</a:t>
-            </a:r>
-            <a:endParaRPr lang="de-CH" sz="1000" b="1" dirty="0"/>
-          </a:p>
-        </p:txBody>
-      </p:sp>
-      <p:sp>
-        <p:nvSpPr>
-          <p:cNvPr id="66" name="TextBox 65"/>
+              <a:rPr kumimoji="0" lang="en-US" sz="1000" b="1" i="0" u="none" strike="noStrike" kern="1200" cap="none" spc="0" normalizeH="0" baseline="0" noProof="0" dirty="0" smtClean="0">
+                <a:ln>
+                  <a:noFill/>
+                </a:ln>
+                <a:solidFill>
+                  <a:prstClr val="black"/>
+                </a:solidFill>
+                <a:effectLst/>
+                <a:uLnTx/>
+                <a:uFillTx/>
+                <a:latin typeface="Calibri" panose="020F0502020204030204"/>
+                <a:ea typeface="+mn-ea"/>
+                <a:cs typeface="+mn-cs"/>
+              </a:rPr>
+              <a:t>= 58.7%</a:t>
+            </a:r>
+            <a:endParaRPr kumimoji="0" lang="de-CH" sz="1000" b="1" i="0" u="none" strike="noStrike" kern="1200" cap="none" spc="0" normalizeH="0" baseline="0" noProof="0" dirty="0">
+              <a:ln>
+                <a:noFill/>
+              </a:ln>
+              <a:solidFill>
+                <a:prstClr val="black"/>
+              </a:solidFill>
+              <a:effectLst/>
+              <a:uLnTx/>
+              <a:uFillTx/>
+              <a:latin typeface="Calibri" panose="020F0502020204030204"/>
+              <a:ea typeface="+mn-ea"/>
+              <a:cs typeface="+mn-cs"/>
+            </a:endParaRPr>
+          </a:p>
+        </p:txBody>
+      </p:sp>
+      <p:sp>
+        <p:nvSpPr>
+          <p:cNvPr id="76" name="TextBox 65"/>
           <p:cNvSpPr txBox="1"/>
           <p:nvPr/>
         </p:nvSpPr>
@@ -4588,17 +5886,60 @@
           </a:bodyPr>
           <a:lstStyle/>
           <a:p>
-            <a:r>
-              <a:rPr lang="en-US" sz="1000" b="1" dirty="0" smtClean="0"/>
+            <a:pPr marL="0" marR="0" lvl="0" indent="0" algn="l" defTabSz="914400" rtl="0" eaLnBrk="1" fontAlgn="auto" latinLnBrk="0" hangingPunct="1">
+              <a:lnSpc>
+                <a:spcPct val="100000"/>
+              </a:lnSpc>
+              <a:spcBef>
+                <a:spcPts val="0"/>
+              </a:spcBef>
+              <a:spcAft>
+                <a:spcPts val="0"/>
+              </a:spcAft>
+              <a:buClrTx/>
+              <a:buSzTx/>
+              <a:buFontTx/>
+              <a:buNone/>
+              <a:tabLst/>
+              <a:defRPr/>
+            </a:pPr>
+            <a:r>
+              <a:rPr kumimoji="0" lang="en-US" sz="1000" b="1" i="0" u="none" strike="noStrike" kern="1200" cap="none" spc="0" normalizeH="0" baseline="0" noProof="0" dirty="0" smtClean="0">
+                <a:ln>
+                  <a:noFill/>
+                </a:ln>
+                <a:solidFill>
+                  <a:prstClr val="black"/>
+                </a:solidFill>
+                <a:effectLst/>
+                <a:uLnTx/>
+                <a:uFillTx/>
+                <a:latin typeface="Calibri" panose="020F0502020204030204"/>
+                <a:ea typeface="+mn-ea"/>
+                <a:cs typeface="+mn-cs"/>
+              </a:rPr>
               <a:t>Low level of treatment access</a:t>
             </a:r>
-            <a:endParaRPr lang="de-CH" sz="1000" b="1" dirty="0"/>
-          </a:p>
-        </p:txBody>
-      </p:sp>
-      <p:sp>
-        <p:nvSpPr>
-          <p:cNvPr id="67" name="TextBox 66"/>
+            <a:endParaRPr kumimoji="0" lang="de-CH" sz="1000" b="1" i="0" u="none" strike="noStrike" kern="1200" cap="none" spc="0" normalizeH="0" baseline="0" noProof="0" dirty="0">
+              <a:ln>
+                <a:noFill/>
+              </a:ln>
+              <a:solidFill>
+                <a:prstClr val="black"/>
+              </a:solidFill>
+              <a:effectLst/>
+              <a:uLnTx/>
+              <a:uFillTx/>
+              <a:latin typeface="Calibri" panose="020F0502020204030204"/>
+              <a:ea typeface="+mn-ea"/>
+              <a:cs typeface="+mn-cs"/>
+            </a:endParaRPr>
+          </a:p>
+        </p:txBody>
+      </p:sp>
+      <p:sp>
+        <p:nvSpPr>
+          <p:cNvPr id="77" name="TextBox 66"/>
           <p:cNvSpPr txBox="1"/>
           <p:nvPr/>
         </p:nvSpPr>
@@ -4618,98 +5959,67 @@
           </a:bodyPr>
           <a:lstStyle/>
           <a:p>
-            <a:r>
-              <a:rPr lang="en-US" sz="1000" b="1" dirty="0" smtClean="0"/>
+            <a:pPr marL="0" marR="0" lvl="0" indent="0" algn="l" defTabSz="914400" rtl="0" eaLnBrk="1" fontAlgn="auto" latinLnBrk="0" hangingPunct="1">
+              <a:lnSpc>
+                <a:spcPct val="100000"/>
+              </a:lnSpc>
+              <a:spcBef>
+                <a:spcPts val="0"/>
+              </a:spcBef>
+              <a:spcAft>
+                <a:spcPts val="0"/>
+              </a:spcAft>
+              <a:buClrTx/>
+              <a:buSzTx/>
+              <a:buFontTx/>
+              <a:buNone/>
+              <a:tabLst/>
+              <a:defRPr/>
+            </a:pPr>
+            <a:r>
+              <a:rPr kumimoji="0" lang="en-US" sz="1000" b="1" i="0" u="none" strike="noStrike" kern="1200" cap="none" spc="0" normalizeH="0" baseline="0" noProof="0" dirty="0" smtClean="0">
+                <a:ln>
+                  <a:noFill/>
+                </a:ln>
+                <a:solidFill>
+                  <a:prstClr val="black"/>
+                </a:solidFill>
+                <a:effectLst/>
+                <a:uLnTx/>
+                <a:uFillTx/>
+                <a:latin typeface="Calibri" panose="020F0502020204030204"/>
+                <a:ea typeface="+mn-ea"/>
+                <a:cs typeface="+mn-cs"/>
+              </a:rPr>
               <a:t>High level of treatment access</a:t>
             </a:r>
-            <a:endParaRPr lang="de-CH" sz="1000" b="1" dirty="0"/>
-          </a:p>
-        </p:txBody>
-      </p:sp>
-      <p:sp>
-        <p:nvSpPr>
-          <p:cNvPr id="43" name="Rectangle 42"/>
-          <p:cNvSpPr/>
-          <p:nvPr/>
-        </p:nvSpPr>
-        <p:spPr>
-          <a:xfrm>
-            <a:off x="3446108" y="2923182"/>
-            <a:ext cx="396000" cy="72000"/>
-          </a:xfrm>
-          <a:prstGeom prst="rect">
-            <a:avLst/>
-          </a:prstGeom>
-          <a:solidFill>
-            <a:srgbClr val="9F4F9F"/>
-          </a:solidFill>
-          <a:ln w="38100">
-            <a:noFill/>
-          </a:ln>
-        </p:spPr>
-        <p:style>
-          <a:lnRef idx="2">
-            <a:schemeClr val="accent1">
-              <a:shade val="50000"/>
-            </a:schemeClr>
-          </a:lnRef>
-          <a:fillRef idx="1">
-            <a:schemeClr val="accent1"/>
-          </a:fillRef>
-          <a:effectRef idx="0">
-            <a:schemeClr val="accent1"/>
-          </a:effectRef>
-          <a:fontRef idx="minor">
-            <a:schemeClr val="lt1"/>
-          </a:fontRef>
-        </p:style>
-        <p:txBody>
-          <a:bodyPr rtlCol="0" anchor="ctr"/>
-          <a:lstStyle/>
-          <a:p>
-            <a:pPr algn="ctr"/>
-            <a:r>
-              <a:rPr lang="en-US" sz="800" dirty="0" smtClean="0">
-                <a:solidFill>
-                  <a:schemeClr val="tx1"/>
-                </a:solidFill>
-              </a:rPr>
-              <a:t>2</a:t>
-            </a:r>
-            <a:r>
-              <a:rPr lang="en-US" sz="800" dirty="0">
-                <a:solidFill>
-                  <a:schemeClr val="tx1"/>
-                </a:solidFill>
-              </a:rPr>
-              <a:t>1</a:t>
-            </a:r>
-            <a:r>
-              <a:rPr lang="en-US" sz="800" dirty="0" smtClean="0">
-                <a:solidFill>
-                  <a:schemeClr val="tx1"/>
-                </a:solidFill>
-              </a:rPr>
-              <a:t>%</a:t>
-            </a:r>
-            <a:endParaRPr lang="de-CH" sz="800" dirty="0">
+            <a:endParaRPr kumimoji="0" lang="de-CH" sz="1000" b="1" i="0" u="none" strike="noStrike" kern="1200" cap="none" spc="0" normalizeH="0" baseline="0" noProof="0" dirty="0">
+              <a:ln>
+                <a:noFill/>
+              </a:ln>
               <a:solidFill>
-                <a:schemeClr val="tx1"/>
+                <a:prstClr val="black"/>
               </a:solidFill>
+              <a:effectLst/>
+              <a:uLnTx/>
+              <a:uFillTx/>
+              <a:latin typeface="Calibri" panose="020F0502020204030204"/>
+              <a:ea typeface="+mn-ea"/>
+              <a:cs typeface="+mn-cs"/>
             </a:endParaRPr>
           </a:p>
         </p:txBody>
       </p:sp>
       <p:sp>
         <p:nvSpPr>
-          <p:cNvPr id="12" name="Rectangle 11"/>
+          <p:cNvPr id="78" name="Rectangle 77"/>
           <p:cNvSpPr/>
           <p:nvPr/>
         </p:nvSpPr>
         <p:spPr>
           <a:xfrm>
             <a:off x="3434825" y="2683073"/>
-            <a:ext cx="396000" cy="324000"/>
+            <a:ext cx="396000" cy="329184"/>
           </a:xfrm>
           <a:prstGeom prst="rect">
             <a:avLst/>
@@ -4741,8 +6051,37 @@
           <a:bodyPr rtlCol="0" anchor="ctr"/>
           <a:lstStyle/>
           <a:p>
-            <a:pPr algn="ctr"/>
-            <a:endParaRPr lang="de-CH"/>
+            <a:pPr marL="0" marR="0" lvl="0" indent="0" algn="ctr" defTabSz="914400" rtl="0" eaLnBrk="1" fontAlgn="auto" latinLnBrk="0" hangingPunct="1">
+              <a:lnSpc>
+                <a:spcPct val="100000"/>
+              </a:lnSpc>
+              <a:spcBef>
+                <a:spcPts val="0"/>
+              </a:spcBef>
+              <a:spcAft>
+                <a:spcPts val="0"/>
+              </a:spcAft>
+              <a:buClrTx/>
+              <a:buSzTx/>
+              <a:buFontTx/>
+              <a:buNone/>
+              <a:tabLst/>
+              <a:defRPr/>
+            </a:pPr>
+            <a:endParaRPr kumimoji="0" lang="de-CH" sz="1800" b="0" i="0" u="none" strike="noStrike" kern="1200" cap="none" spc="0" normalizeH="0" baseline="0" noProof="0">
+              <a:ln>
+                <a:noFill/>
+              </a:ln>
+              <a:solidFill>
+                <a:prstClr val="white"/>
+              </a:solidFill>
+              <a:effectLst/>
+              <a:uLnTx/>
+              <a:uFillTx/>
+              <a:latin typeface="Calibri" panose="020F0502020204030204"/>
+              <a:ea typeface="+mn-ea"/>
+              <a:cs typeface="+mn-cs"/>
+            </a:endParaRPr>
           </a:p>
         </p:txBody>
       </p:sp>
